--- a/Abbildungen/wtfi_9_messplan.pptx
+++ b/Abbildungen/wtfi_9_messplan.pptx
@@ -2,12 +2,12 @@
 <file path=ppt/presentation.xml><?xml version="1.0" encoding="utf-8"?>
 <p:presentation xmlns:a="http://schemas.openxmlformats.org/drawingml/2006/main" xmlns:r="http://schemas.openxmlformats.org/officeDocument/2006/relationships" xmlns:p="http://schemas.openxmlformats.org/presentationml/2006/main" saveSubsetFonts="1">
   <p:sldMasterIdLst>
-    <p:sldMasterId id="2147483768" r:id="rId1"/>
+    <p:sldMasterId id="2147483792" r:id="rId1"/>
   </p:sldMasterIdLst>
   <p:sldIdLst>
     <p:sldId id="256" r:id="rId2"/>
   </p:sldIdLst>
-  <p:sldSz cx="7559675" cy="3959225"/>
+  <p:sldSz cx="5040313" cy="3600450"/>
   <p:notesSz cx="6858000" cy="9144000"/>
   <p:defaultTextStyle>
     <a:defPPr>
@@ -114,7 +114,7 @@
 
 <file path=ppt/slideLayouts/slideLayout1.xml><?xml version="1.0" encoding="utf-8"?>
 <p:sldLayout xmlns:a="http://schemas.openxmlformats.org/drawingml/2006/main" xmlns:r="http://schemas.openxmlformats.org/officeDocument/2006/relationships" xmlns:p="http://schemas.openxmlformats.org/presentationml/2006/main" type="title" preserve="1">
-  <p:cSld name="Title Slide">
+  <p:cSld name="Titelfolie">
     <p:spTree>
       <p:nvGrpSpPr>
         <p:cNvPr id="1" name=""/>
@@ -141,21 +141,21 @@
         </p:nvSpPr>
         <p:spPr>
           <a:xfrm>
-            <a:off x="944960" y="647957"/>
-            <a:ext cx="5669756" cy="1378397"/>
+            <a:off x="378024" y="589241"/>
+            <a:ext cx="4284266" cy="1253490"/>
           </a:xfrm>
         </p:spPr>
         <p:txBody>
           <a:bodyPr anchor="b"/>
           <a:lstStyle>
             <a:lvl1pPr algn="ctr">
-              <a:defRPr sz="3464"/>
+              <a:defRPr sz="3150"/>
             </a:lvl1pPr>
           </a:lstStyle>
           <a:p>
             <a:r>
-              <a:rPr lang="en-US"/>
-              <a:t>Click to edit Master title style</a:t>
+              <a:rPr lang="de-DE"/>
+              <a:t>Mastertitelformat bearbeiten</a:t>
             </a:r>
             <a:endParaRPr lang="en-US" dirty="0"/>
           </a:p>
@@ -173,8 +173,8 @@
         </p:nvSpPr>
         <p:spPr>
           <a:xfrm>
-            <a:off x="944960" y="2079510"/>
-            <a:ext cx="5669756" cy="955896"/>
+            <a:off x="630039" y="1891070"/>
+            <a:ext cx="3780235" cy="869275"/>
           </a:xfrm>
         </p:spPr>
         <p:txBody>
@@ -182,45 +182,45 @@
           <a:lstStyle>
             <a:lvl1pPr marL="0" indent="0" algn="ctr">
               <a:buNone/>
-              <a:defRPr sz="1386"/>
+              <a:defRPr sz="1260"/>
             </a:lvl1pPr>
-            <a:lvl2pPr marL="263942" indent="0" algn="ctr">
-              <a:buNone/>
-              <a:defRPr sz="1155"/>
+            <a:lvl2pPr marL="240030" indent="0" algn="ctr">
+              <a:buNone/>
+              <a:defRPr sz="1050"/>
             </a:lvl2pPr>
-            <a:lvl3pPr marL="527883" indent="0" algn="ctr">
-              <a:buNone/>
-              <a:defRPr sz="1039"/>
+            <a:lvl3pPr marL="480060" indent="0" algn="ctr">
+              <a:buNone/>
+              <a:defRPr sz="945"/>
             </a:lvl3pPr>
-            <a:lvl4pPr marL="791825" indent="0" algn="ctr">
-              <a:buNone/>
-              <a:defRPr sz="924"/>
+            <a:lvl4pPr marL="720090" indent="0" algn="ctr">
+              <a:buNone/>
+              <a:defRPr sz="840"/>
             </a:lvl4pPr>
-            <a:lvl5pPr marL="1055766" indent="0" algn="ctr">
-              <a:buNone/>
-              <a:defRPr sz="924"/>
+            <a:lvl5pPr marL="960120" indent="0" algn="ctr">
+              <a:buNone/>
+              <a:defRPr sz="840"/>
             </a:lvl5pPr>
-            <a:lvl6pPr marL="1319708" indent="0" algn="ctr">
-              <a:buNone/>
-              <a:defRPr sz="924"/>
+            <a:lvl6pPr marL="1200150" indent="0" algn="ctr">
+              <a:buNone/>
+              <a:defRPr sz="840"/>
             </a:lvl6pPr>
-            <a:lvl7pPr marL="1583649" indent="0" algn="ctr">
-              <a:buNone/>
-              <a:defRPr sz="924"/>
+            <a:lvl7pPr marL="1440180" indent="0" algn="ctr">
+              <a:buNone/>
+              <a:defRPr sz="840"/>
             </a:lvl7pPr>
-            <a:lvl8pPr marL="1847591" indent="0" algn="ctr">
-              <a:buNone/>
-              <a:defRPr sz="924"/>
+            <a:lvl8pPr marL="1680210" indent="0" algn="ctr">
+              <a:buNone/>
+              <a:defRPr sz="840"/>
             </a:lvl8pPr>
-            <a:lvl9pPr marL="2111532" indent="0" algn="ctr">
-              <a:buNone/>
-              <a:defRPr sz="924"/>
+            <a:lvl9pPr marL="1920240" indent="0" algn="ctr">
+              <a:buNone/>
+              <a:defRPr sz="840"/>
             </a:lvl9pPr>
           </a:lstStyle>
           <a:p>
             <a:r>
-              <a:rPr lang="en-US"/>
-              <a:t>Click to edit Master subtitle style</a:t>
+              <a:rPr lang="de-DE"/>
+              <a:t>Master-Untertitelformat bearbeiten</a:t>
             </a:r>
             <a:endParaRPr lang="en-US" dirty="0"/>
           </a:p>
@@ -243,7 +243,7 @@
           <a:p>
             <a:fld id="{51BCCF01-26B7-4A41-9BE9-A8D5676ACC9D}" type="datetimeFigureOut">
               <a:rPr lang="de-DE" smtClean="0"/>
-              <a:t>29.11.2021</a:t>
+              <a:t>14.12.2022</a:t>
             </a:fld>
             <a:endParaRPr lang="de-DE"/>
           </a:p>
@@ -285,7 +285,7 @@
           <a:p>
             <a:fld id="{4E69F17C-D0D7-4BE2-91F9-E0ED817930D0}" type="slidenum">
               <a:rPr lang="de-DE" smtClean="0"/>
-              <a:t>‹#›</a:t>
+              <a:t>‹Nr.›</a:t>
             </a:fld>
             <a:endParaRPr lang="de-DE"/>
           </a:p>
@@ -294,7 +294,7 @@
     </p:spTree>
     <p:extLst>
       <p:ext uri="{BB962C8B-B14F-4D97-AF65-F5344CB8AC3E}">
-        <p14:creationId xmlns:p14="http://schemas.microsoft.com/office/powerpoint/2010/main" val="3352007160"/>
+        <p14:creationId xmlns:p14="http://schemas.microsoft.com/office/powerpoint/2010/main" val="3403825627"/>
       </p:ext>
     </p:extLst>
   </p:cSld>
@@ -306,7 +306,7 @@
 
 <file path=ppt/slideLayouts/slideLayout10.xml><?xml version="1.0" encoding="utf-8"?>
 <p:sldLayout xmlns:a="http://schemas.openxmlformats.org/drawingml/2006/main" xmlns:r="http://schemas.openxmlformats.org/officeDocument/2006/relationships" xmlns:p="http://schemas.openxmlformats.org/presentationml/2006/main" type="vertTx" preserve="1">
-  <p:cSld name="Title and Vertical Text">
+  <p:cSld name="Titel und vertikaler Text">
     <p:spTree>
       <p:nvGrpSpPr>
         <p:cNvPr id="1" name=""/>
@@ -337,8 +337,8 @@
           <a:lstStyle/>
           <a:p>
             <a:r>
-              <a:rPr lang="en-US"/>
-              <a:t>Click to edit Master title style</a:t>
+              <a:rPr lang="de-DE"/>
+              <a:t>Mastertitelformat bearbeiten</a:t>
             </a:r>
             <a:endParaRPr lang="en-US" dirty="0"/>
           </a:p>
@@ -361,36 +361,36 @@
           <a:p>
             <a:pPr lvl="0"/>
             <a:r>
-              <a:rPr lang="en-US"/>
-              <a:t>Click to edit Master text styles</a:t>
+              <a:rPr lang="de-DE"/>
+              <a:t>Mastertextformat bearbeiten</a:t>
             </a:r>
           </a:p>
           <a:p>
             <a:pPr lvl="1"/>
             <a:r>
-              <a:rPr lang="en-US"/>
-              <a:t>Second level</a:t>
+              <a:rPr lang="de-DE"/>
+              <a:t>Zweite Ebene</a:t>
             </a:r>
           </a:p>
           <a:p>
             <a:pPr lvl="2"/>
             <a:r>
-              <a:rPr lang="en-US"/>
-              <a:t>Third level</a:t>
+              <a:rPr lang="de-DE"/>
+              <a:t>Dritte Ebene</a:t>
             </a:r>
           </a:p>
           <a:p>
             <a:pPr lvl="3"/>
             <a:r>
-              <a:rPr lang="en-US"/>
-              <a:t>Fourth level</a:t>
+              <a:rPr lang="de-DE"/>
+              <a:t>Vierte Ebene</a:t>
             </a:r>
           </a:p>
           <a:p>
             <a:pPr lvl="4"/>
             <a:r>
-              <a:rPr lang="en-US"/>
-              <a:t>Fifth level</a:t>
+              <a:rPr lang="de-DE"/>
+              <a:t>Fünfte Ebene</a:t>
             </a:r>
             <a:endParaRPr lang="en-US" dirty="0"/>
           </a:p>
@@ -413,7 +413,7 @@
           <a:p>
             <a:fld id="{51BCCF01-26B7-4A41-9BE9-A8D5676ACC9D}" type="datetimeFigureOut">
               <a:rPr lang="de-DE" smtClean="0"/>
-              <a:t>29.11.2021</a:t>
+              <a:t>14.12.2022</a:t>
             </a:fld>
             <a:endParaRPr lang="de-DE"/>
           </a:p>
@@ -455,7 +455,7 @@
           <a:p>
             <a:fld id="{4E69F17C-D0D7-4BE2-91F9-E0ED817930D0}" type="slidenum">
               <a:rPr lang="de-DE" smtClean="0"/>
-              <a:t>‹#›</a:t>
+              <a:t>‹Nr.›</a:t>
             </a:fld>
             <a:endParaRPr lang="de-DE"/>
           </a:p>
@@ -464,7 +464,7 @@
     </p:spTree>
     <p:extLst>
       <p:ext uri="{BB962C8B-B14F-4D97-AF65-F5344CB8AC3E}">
-        <p14:creationId xmlns:p14="http://schemas.microsoft.com/office/powerpoint/2010/main" val="353750757"/>
+        <p14:creationId xmlns:p14="http://schemas.microsoft.com/office/powerpoint/2010/main" val="3854385778"/>
       </p:ext>
     </p:extLst>
   </p:cSld>
@@ -476,7 +476,7 @@
 
 <file path=ppt/slideLayouts/slideLayout11.xml><?xml version="1.0" encoding="utf-8"?>
 <p:sldLayout xmlns:a="http://schemas.openxmlformats.org/drawingml/2006/main" xmlns:r="http://schemas.openxmlformats.org/officeDocument/2006/relationships" xmlns:p="http://schemas.openxmlformats.org/presentationml/2006/main" type="vertTitleAndTx" preserve="1">
-  <p:cSld name="Vertical Title and Text">
+  <p:cSld name="Vertikaler Titel und Text">
     <p:spTree>
       <p:nvGrpSpPr>
         <p:cNvPr id="1" name=""/>
@@ -503,8 +503,8 @@
         </p:nvSpPr>
         <p:spPr>
           <a:xfrm>
-            <a:off x="5409892" y="210792"/>
-            <a:ext cx="1630055" cy="3355260"/>
+            <a:off x="3606975" y="191691"/>
+            <a:ext cx="1086817" cy="3051215"/>
           </a:xfrm>
         </p:spPr>
         <p:txBody>
@@ -512,8 +512,8 @@
           <a:lstStyle/>
           <a:p>
             <a:r>
-              <a:rPr lang="en-US"/>
-              <a:t>Click to edit Master title style</a:t>
+              <a:rPr lang="de-DE"/>
+              <a:t>Mastertitelformat bearbeiten</a:t>
             </a:r>
             <a:endParaRPr lang="en-US" dirty="0"/>
           </a:p>
@@ -531,8 +531,8 @@
         </p:nvSpPr>
         <p:spPr>
           <a:xfrm>
-            <a:off x="519728" y="210792"/>
-            <a:ext cx="4795669" cy="3355260"/>
+            <a:off x="346522" y="191691"/>
+            <a:ext cx="3197449" cy="3051215"/>
           </a:xfrm>
         </p:spPr>
         <p:txBody>
@@ -541,36 +541,36 @@
           <a:p>
             <a:pPr lvl="0"/>
             <a:r>
-              <a:rPr lang="en-US"/>
-              <a:t>Click to edit Master text styles</a:t>
+              <a:rPr lang="de-DE"/>
+              <a:t>Mastertextformat bearbeiten</a:t>
             </a:r>
           </a:p>
           <a:p>
             <a:pPr lvl="1"/>
             <a:r>
-              <a:rPr lang="en-US"/>
-              <a:t>Second level</a:t>
+              <a:rPr lang="de-DE"/>
+              <a:t>Zweite Ebene</a:t>
             </a:r>
           </a:p>
           <a:p>
             <a:pPr lvl="2"/>
             <a:r>
-              <a:rPr lang="en-US"/>
-              <a:t>Third level</a:t>
+              <a:rPr lang="de-DE"/>
+              <a:t>Dritte Ebene</a:t>
             </a:r>
           </a:p>
           <a:p>
             <a:pPr lvl="3"/>
             <a:r>
-              <a:rPr lang="en-US"/>
-              <a:t>Fourth level</a:t>
+              <a:rPr lang="de-DE"/>
+              <a:t>Vierte Ebene</a:t>
             </a:r>
           </a:p>
           <a:p>
             <a:pPr lvl="4"/>
             <a:r>
-              <a:rPr lang="en-US"/>
-              <a:t>Fifth level</a:t>
+              <a:rPr lang="de-DE"/>
+              <a:t>Fünfte Ebene</a:t>
             </a:r>
             <a:endParaRPr lang="en-US" dirty="0"/>
           </a:p>
@@ -593,7 +593,7 @@
           <a:p>
             <a:fld id="{51BCCF01-26B7-4A41-9BE9-A8D5676ACC9D}" type="datetimeFigureOut">
               <a:rPr lang="de-DE" smtClean="0"/>
-              <a:t>29.11.2021</a:t>
+              <a:t>14.12.2022</a:t>
             </a:fld>
             <a:endParaRPr lang="de-DE"/>
           </a:p>
@@ -635,7 +635,7 @@
           <a:p>
             <a:fld id="{4E69F17C-D0D7-4BE2-91F9-E0ED817930D0}" type="slidenum">
               <a:rPr lang="de-DE" smtClean="0"/>
-              <a:t>‹#›</a:t>
+              <a:t>‹Nr.›</a:t>
             </a:fld>
             <a:endParaRPr lang="de-DE"/>
           </a:p>
@@ -644,7 +644,7 @@
     </p:spTree>
     <p:extLst>
       <p:ext uri="{BB962C8B-B14F-4D97-AF65-F5344CB8AC3E}">
-        <p14:creationId xmlns:p14="http://schemas.microsoft.com/office/powerpoint/2010/main" val="2056811779"/>
+        <p14:creationId xmlns:p14="http://schemas.microsoft.com/office/powerpoint/2010/main" val="2043086780"/>
       </p:ext>
     </p:extLst>
   </p:cSld>
@@ -656,7 +656,7 @@
 
 <file path=ppt/slideLayouts/slideLayout2.xml><?xml version="1.0" encoding="utf-8"?>
 <p:sldLayout xmlns:a="http://schemas.openxmlformats.org/drawingml/2006/main" xmlns:r="http://schemas.openxmlformats.org/officeDocument/2006/relationships" xmlns:p="http://schemas.openxmlformats.org/presentationml/2006/main" type="obj" preserve="1">
-  <p:cSld name="Title and Content">
+  <p:cSld name="Titel und Inhalt">
     <p:spTree>
       <p:nvGrpSpPr>
         <p:cNvPr id="1" name=""/>
@@ -687,8 +687,8 @@
           <a:lstStyle/>
           <a:p>
             <a:r>
-              <a:rPr lang="en-US"/>
-              <a:t>Click to edit Master title style</a:t>
+              <a:rPr lang="de-DE"/>
+              <a:t>Mastertitelformat bearbeiten</a:t>
             </a:r>
             <a:endParaRPr lang="en-US" dirty="0"/>
           </a:p>
@@ -711,36 +711,36 @@
           <a:p>
             <a:pPr lvl="0"/>
             <a:r>
-              <a:rPr lang="en-US"/>
-              <a:t>Click to edit Master text styles</a:t>
+              <a:rPr lang="de-DE"/>
+              <a:t>Mastertextformat bearbeiten</a:t>
             </a:r>
           </a:p>
           <a:p>
             <a:pPr lvl="1"/>
             <a:r>
-              <a:rPr lang="en-US"/>
-              <a:t>Second level</a:t>
+              <a:rPr lang="de-DE"/>
+              <a:t>Zweite Ebene</a:t>
             </a:r>
           </a:p>
           <a:p>
             <a:pPr lvl="2"/>
             <a:r>
-              <a:rPr lang="en-US"/>
-              <a:t>Third level</a:t>
+              <a:rPr lang="de-DE"/>
+              <a:t>Dritte Ebene</a:t>
             </a:r>
           </a:p>
           <a:p>
             <a:pPr lvl="3"/>
             <a:r>
-              <a:rPr lang="en-US"/>
-              <a:t>Fourth level</a:t>
+              <a:rPr lang="de-DE"/>
+              <a:t>Vierte Ebene</a:t>
             </a:r>
           </a:p>
           <a:p>
             <a:pPr lvl="4"/>
             <a:r>
-              <a:rPr lang="en-US"/>
-              <a:t>Fifth level</a:t>
+              <a:rPr lang="de-DE"/>
+              <a:t>Fünfte Ebene</a:t>
             </a:r>
             <a:endParaRPr lang="en-US" dirty="0"/>
           </a:p>
@@ -763,7 +763,7 @@
           <a:p>
             <a:fld id="{51BCCF01-26B7-4A41-9BE9-A8D5676ACC9D}" type="datetimeFigureOut">
               <a:rPr lang="de-DE" smtClean="0"/>
-              <a:t>29.11.2021</a:t>
+              <a:t>14.12.2022</a:t>
             </a:fld>
             <a:endParaRPr lang="de-DE"/>
           </a:p>
@@ -805,7 +805,7 @@
           <a:p>
             <a:fld id="{4E69F17C-D0D7-4BE2-91F9-E0ED817930D0}" type="slidenum">
               <a:rPr lang="de-DE" smtClean="0"/>
-              <a:t>‹#›</a:t>
+              <a:t>‹Nr.›</a:t>
             </a:fld>
             <a:endParaRPr lang="de-DE"/>
           </a:p>
@@ -814,7 +814,7 @@
     </p:spTree>
     <p:extLst>
       <p:ext uri="{BB962C8B-B14F-4D97-AF65-F5344CB8AC3E}">
-        <p14:creationId xmlns:p14="http://schemas.microsoft.com/office/powerpoint/2010/main" val="1547995489"/>
+        <p14:creationId xmlns:p14="http://schemas.microsoft.com/office/powerpoint/2010/main" val="3001396071"/>
       </p:ext>
     </p:extLst>
   </p:cSld>
@@ -826,7 +826,7 @@
 
 <file path=ppt/slideLayouts/slideLayout3.xml><?xml version="1.0" encoding="utf-8"?>
 <p:sldLayout xmlns:a="http://schemas.openxmlformats.org/drawingml/2006/main" xmlns:r="http://schemas.openxmlformats.org/officeDocument/2006/relationships" xmlns:p="http://schemas.openxmlformats.org/presentationml/2006/main" type="secHead" preserve="1">
-  <p:cSld name="Section Header">
+  <p:cSld name="Abschnitts-&#10;überschrift">
     <p:spTree>
       <p:nvGrpSpPr>
         <p:cNvPr id="1" name=""/>
@@ -853,21 +853,21 @@
         </p:nvSpPr>
         <p:spPr>
           <a:xfrm>
-            <a:off x="515790" y="987058"/>
-            <a:ext cx="6520220" cy="1646927"/>
+            <a:off x="343897" y="897613"/>
+            <a:ext cx="4347270" cy="1497687"/>
           </a:xfrm>
         </p:spPr>
         <p:txBody>
           <a:bodyPr anchor="b"/>
           <a:lstStyle>
             <a:lvl1pPr>
-              <a:defRPr sz="3464"/>
+              <a:defRPr sz="3150"/>
             </a:lvl1pPr>
           </a:lstStyle>
           <a:p>
             <a:r>
-              <a:rPr lang="en-US"/>
-              <a:t>Click to edit Master title style</a:t>
+              <a:rPr lang="de-DE"/>
+              <a:t>Mastertitelformat bearbeiten</a:t>
             </a:r>
             <a:endParaRPr lang="en-US" dirty="0"/>
           </a:p>
@@ -885,8 +885,8 @@
         </p:nvSpPr>
         <p:spPr>
           <a:xfrm>
-            <a:off x="515790" y="2649565"/>
-            <a:ext cx="6520220" cy="866080"/>
+            <a:off x="343897" y="2409469"/>
+            <a:ext cx="4347270" cy="787598"/>
           </a:xfrm>
         </p:spPr>
         <p:txBody>
@@ -894,17 +894,15 @@
           <a:lstStyle>
             <a:lvl1pPr marL="0" indent="0">
               <a:buNone/>
-              <a:defRPr sz="1386">
+              <a:defRPr sz="1260">
                 <a:solidFill>
-                  <a:schemeClr val="tx1">
-                    <a:tint val="75000"/>
-                  </a:schemeClr>
+                  <a:schemeClr val="tx1"/>
                 </a:solidFill>
               </a:defRPr>
             </a:lvl1pPr>
-            <a:lvl2pPr marL="263942" indent="0">
-              <a:buNone/>
-              <a:defRPr sz="1155">
+            <a:lvl2pPr marL="240030" indent="0">
+              <a:buNone/>
+              <a:defRPr sz="1050">
                 <a:solidFill>
                   <a:schemeClr val="tx1">
                     <a:tint val="75000"/>
@@ -912,9 +910,9 @@
                 </a:solidFill>
               </a:defRPr>
             </a:lvl2pPr>
-            <a:lvl3pPr marL="527883" indent="0">
-              <a:buNone/>
-              <a:defRPr sz="1039">
+            <a:lvl3pPr marL="480060" indent="0">
+              <a:buNone/>
+              <a:defRPr sz="945">
                 <a:solidFill>
                   <a:schemeClr val="tx1">
                     <a:tint val="75000"/>
@@ -922,9 +920,9 @@
                 </a:solidFill>
               </a:defRPr>
             </a:lvl3pPr>
-            <a:lvl4pPr marL="791825" indent="0">
-              <a:buNone/>
-              <a:defRPr sz="924">
+            <a:lvl4pPr marL="720090" indent="0">
+              <a:buNone/>
+              <a:defRPr sz="840">
                 <a:solidFill>
                   <a:schemeClr val="tx1">
                     <a:tint val="75000"/>
@@ -932,9 +930,9 @@
                 </a:solidFill>
               </a:defRPr>
             </a:lvl4pPr>
-            <a:lvl5pPr marL="1055766" indent="0">
-              <a:buNone/>
-              <a:defRPr sz="924">
+            <a:lvl5pPr marL="960120" indent="0">
+              <a:buNone/>
+              <a:defRPr sz="840">
                 <a:solidFill>
                   <a:schemeClr val="tx1">
                     <a:tint val="75000"/>
@@ -942,9 +940,9 @@
                 </a:solidFill>
               </a:defRPr>
             </a:lvl5pPr>
-            <a:lvl6pPr marL="1319708" indent="0">
-              <a:buNone/>
-              <a:defRPr sz="924">
+            <a:lvl6pPr marL="1200150" indent="0">
+              <a:buNone/>
+              <a:defRPr sz="840">
                 <a:solidFill>
                   <a:schemeClr val="tx1">
                     <a:tint val="75000"/>
@@ -952,9 +950,9 @@
                 </a:solidFill>
               </a:defRPr>
             </a:lvl6pPr>
-            <a:lvl7pPr marL="1583649" indent="0">
-              <a:buNone/>
-              <a:defRPr sz="924">
+            <a:lvl7pPr marL="1440180" indent="0">
+              <a:buNone/>
+              <a:defRPr sz="840">
                 <a:solidFill>
                   <a:schemeClr val="tx1">
                     <a:tint val="75000"/>
@@ -962,9 +960,9 @@
                 </a:solidFill>
               </a:defRPr>
             </a:lvl7pPr>
-            <a:lvl8pPr marL="1847591" indent="0">
-              <a:buNone/>
-              <a:defRPr sz="924">
+            <a:lvl8pPr marL="1680210" indent="0">
+              <a:buNone/>
+              <a:defRPr sz="840">
                 <a:solidFill>
                   <a:schemeClr val="tx1">
                     <a:tint val="75000"/>
@@ -972,9 +970,9 @@
                 </a:solidFill>
               </a:defRPr>
             </a:lvl8pPr>
-            <a:lvl9pPr marL="2111532" indent="0">
-              <a:buNone/>
-              <a:defRPr sz="924">
+            <a:lvl9pPr marL="1920240" indent="0">
+              <a:buNone/>
+              <a:defRPr sz="840">
                 <a:solidFill>
                   <a:schemeClr val="tx1">
                     <a:tint val="75000"/>
@@ -986,8 +984,8 @@
           <a:p>
             <a:pPr lvl="0"/>
             <a:r>
-              <a:rPr lang="en-US"/>
-              <a:t>Click to edit Master text styles</a:t>
+              <a:rPr lang="de-DE"/>
+              <a:t>Mastertextformat bearbeiten</a:t>
             </a:r>
           </a:p>
         </p:txBody>
@@ -1009,7 +1007,7 @@
           <a:p>
             <a:fld id="{51BCCF01-26B7-4A41-9BE9-A8D5676ACC9D}" type="datetimeFigureOut">
               <a:rPr lang="de-DE" smtClean="0"/>
-              <a:t>29.11.2021</a:t>
+              <a:t>14.12.2022</a:t>
             </a:fld>
             <a:endParaRPr lang="de-DE"/>
           </a:p>
@@ -1051,7 +1049,7 @@
           <a:p>
             <a:fld id="{4E69F17C-D0D7-4BE2-91F9-E0ED817930D0}" type="slidenum">
               <a:rPr lang="de-DE" smtClean="0"/>
-              <a:t>‹#›</a:t>
+              <a:t>‹Nr.›</a:t>
             </a:fld>
             <a:endParaRPr lang="de-DE"/>
           </a:p>
@@ -1060,7 +1058,7 @@
     </p:spTree>
     <p:extLst>
       <p:ext uri="{BB962C8B-B14F-4D97-AF65-F5344CB8AC3E}">
-        <p14:creationId xmlns:p14="http://schemas.microsoft.com/office/powerpoint/2010/main" val="2333916452"/>
+        <p14:creationId xmlns:p14="http://schemas.microsoft.com/office/powerpoint/2010/main" val="152613662"/>
       </p:ext>
     </p:extLst>
   </p:cSld>
@@ -1072,7 +1070,7 @@
 
 <file path=ppt/slideLayouts/slideLayout4.xml><?xml version="1.0" encoding="utf-8"?>
 <p:sldLayout xmlns:a="http://schemas.openxmlformats.org/drawingml/2006/main" xmlns:r="http://schemas.openxmlformats.org/officeDocument/2006/relationships" xmlns:p="http://schemas.openxmlformats.org/presentationml/2006/main" type="twoObj" preserve="1">
-  <p:cSld name="Two Content">
+  <p:cSld name="Zwei Inhalte">
     <p:spTree>
       <p:nvGrpSpPr>
         <p:cNvPr id="1" name=""/>
@@ -1103,8 +1101,8 @@
           <a:lstStyle/>
           <a:p>
             <a:r>
-              <a:rPr lang="en-US"/>
-              <a:t>Click to edit Master title style</a:t>
+              <a:rPr lang="de-DE"/>
+              <a:t>Mastertitelformat bearbeiten</a:t>
             </a:r>
             <a:endParaRPr lang="en-US" dirty="0"/>
           </a:p>
@@ -1122,8 +1120,8 @@
         </p:nvSpPr>
         <p:spPr>
           <a:xfrm>
-            <a:off x="519728" y="1053960"/>
-            <a:ext cx="3212862" cy="2512092"/>
+            <a:off x="346522" y="958453"/>
+            <a:ext cx="2142133" cy="2284452"/>
           </a:xfrm>
         </p:spPr>
         <p:txBody>
@@ -1132,36 +1130,36 @@
           <a:p>
             <a:pPr lvl="0"/>
             <a:r>
-              <a:rPr lang="en-US"/>
-              <a:t>Click to edit Master text styles</a:t>
+              <a:rPr lang="de-DE"/>
+              <a:t>Mastertextformat bearbeiten</a:t>
             </a:r>
           </a:p>
           <a:p>
             <a:pPr lvl="1"/>
             <a:r>
-              <a:rPr lang="en-US"/>
-              <a:t>Second level</a:t>
+              <a:rPr lang="de-DE"/>
+              <a:t>Zweite Ebene</a:t>
             </a:r>
           </a:p>
           <a:p>
             <a:pPr lvl="2"/>
             <a:r>
-              <a:rPr lang="en-US"/>
-              <a:t>Third level</a:t>
+              <a:rPr lang="de-DE"/>
+              <a:t>Dritte Ebene</a:t>
             </a:r>
           </a:p>
           <a:p>
             <a:pPr lvl="3"/>
             <a:r>
-              <a:rPr lang="en-US"/>
-              <a:t>Fourth level</a:t>
+              <a:rPr lang="de-DE"/>
+              <a:t>Vierte Ebene</a:t>
             </a:r>
           </a:p>
           <a:p>
             <a:pPr lvl="4"/>
             <a:r>
-              <a:rPr lang="en-US"/>
-              <a:t>Fifth level</a:t>
+              <a:rPr lang="de-DE"/>
+              <a:t>Fünfte Ebene</a:t>
             </a:r>
             <a:endParaRPr lang="en-US" dirty="0"/>
           </a:p>
@@ -1179,8 +1177,8 @@
         </p:nvSpPr>
         <p:spPr>
           <a:xfrm>
-            <a:off x="3827085" y="1053960"/>
-            <a:ext cx="3212862" cy="2512092"/>
+            <a:off x="2551658" y="958453"/>
+            <a:ext cx="2142133" cy="2284452"/>
           </a:xfrm>
         </p:spPr>
         <p:txBody>
@@ -1189,36 +1187,36 @@
           <a:p>
             <a:pPr lvl="0"/>
             <a:r>
-              <a:rPr lang="en-US"/>
-              <a:t>Click to edit Master text styles</a:t>
+              <a:rPr lang="de-DE"/>
+              <a:t>Mastertextformat bearbeiten</a:t>
             </a:r>
           </a:p>
           <a:p>
             <a:pPr lvl="1"/>
             <a:r>
-              <a:rPr lang="en-US"/>
-              <a:t>Second level</a:t>
+              <a:rPr lang="de-DE"/>
+              <a:t>Zweite Ebene</a:t>
             </a:r>
           </a:p>
           <a:p>
             <a:pPr lvl="2"/>
             <a:r>
-              <a:rPr lang="en-US"/>
-              <a:t>Third level</a:t>
+              <a:rPr lang="de-DE"/>
+              <a:t>Dritte Ebene</a:t>
             </a:r>
           </a:p>
           <a:p>
             <a:pPr lvl="3"/>
             <a:r>
-              <a:rPr lang="en-US"/>
-              <a:t>Fourth level</a:t>
+              <a:rPr lang="de-DE"/>
+              <a:t>Vierte Ebene</a:t>
             </a:r>
           </a:p>
           <a:p>
             <a:pPr lvl="4"/>
             <a:r>
-              <a:rPr lang="en-US"/>
-              <a:t>Fifth level</a:t>
+              <a:rPr lang="de-DE"/>
+              <a:t>Fünfte Ebene</a:t>
             </a:r>
             <a:endParaRPr lang="en-US" dirty="0"/>
           </a:p>
@@ -1241,7 +1239,7 @@
           <a:p>
             <a:fld id="{51BCCF01-26B7-4A41-9BE9-A8D5676ACC9D}" type="datetimeFigureOut">
               <a:rPr lang="de-DE" smtClean="0"/>
-              <a:t>29.11.2021</a:t>
+              <a:t>14.12.2022</a:t>
             </a:fld>
             <a:endParaRPr lang="de-DE"/>
           </a:p>
@@ -1283,7 +1281,7 @@
           <a:p>
             <a:fld id="{4E69F17C-D0D7-4BE2-91F9-E0ED817930D0}" type="slidenum">
               <a:rPr lang="de-DE" smtClean="0"/>
-              <a:t>‹#›</a:t>
+              <a:t>‹Nr.›</a:t>
             </a:fld>
             <a:endParaRPr lang="de-DE"/>
           </a:p>
@@ -1292,7 +1290,7 @@
     </p:spTree>
     <p:extLst>
       <p:ext uri="{BB962C8B-B14F-4D97-AF65-F5344CB8AC3E}">
-        <p14:creationId xmlns:p14="http://schemas.microsoft.com/office/powerpoint/2010/main" val="3969292855"/>
+        <p14:creationId xmlns:p14="http://schemas.microsoft.com/office/powerpoint/2010/main" val="448730903"/>
       </p:ext>
     </p:extLst>
   </p:cSld>
@@ -1304,7 +1302,7 @@
 
 <file path=ppt/slideLayouts/slideLayout5.xml><?xml version="1.0" encoding="utf-8"?>
 <p:sldLayout xmlns:a="http://schemas.openxmlformats.org/drawingml/2006/main" xmlns:r="http://schemas.openxmlformats.org/officeDocument/2006/relationships" xmlns:p="http://schemas.openxmlformats.org/presentationml/2006/main" type="twoTxTwoObj" preserve="1">
-  <p:cSld name="Comparison">
+  <p:cSld name="Vergleich">
     <p:spTree>
       <p:nvGrpSpPr>
         <p:cNvPr id="1" name=""/>
@@ -1331,8 +1329,8 @@
         </p:nvSpPr>
         <p:spPr>
           <a:xfrm>
-            <a:off x="520712" y="210792"/>
-            <a:ext cx="6520220" cy="765267"/>
+            <a:off x="347178" y="191691"/>
+            <a:ext cx="4347270" cy="695921"/>
           </a:xfrm>
         </p:spPr>
         <p:txBody>
@@ -1340,8 +1338,8 @@
           <a:lstStyle/>
           <a:p>
             <a:r>
-              <a:rPr lang="en-US"/>
-              <a:t>Click to edit Master title style</a:t>
+              <a:rPr lang="de-DE"/>
+              <a:t>Mastertitelformat bearbeiten</a:t>
             </a:r>
             <a:endParaRPr lang="en-US" dirty="0"/>
           </a:p>
@@ -1359,8 +1357,8 @@
         </p:nvSpPr>
         <p:spPr>
           <a:xfrm>
-            <a:off x="520712" y="970560"/>
-            <a:ext cx="3198097" cy="475657"/>
+            <a:off x="347179" y="882610"/>
+            <a:ext cx="2132288" cy="432554"/>
           </a:xfrm>
         </p:spPr>
         <p:txBody>
@@ -1368,46 +1366,46 @@
           <a:lstStyle>
             <a:lvl1pPr marL="0" indent="0">
               <a:buNone/>
-              <a:defRPr sz="1386" b="1"/>
+              <a:defRPr sz="1260" b="1"/>
             </a:lvl1pPr>
-            <a:lvl2pPr marL="263942" indent="0">
-              <a:buNone/>
-              <a:defRPr sz="1155" b="1"/>
+            <a:lvl2pPr marL="240030" indent="0">
+              <a:buNone/>
+              <a:defRPr sz="1050" b="1"/>
             </a:lvl2pPr>
-            <a:lvl3pPr marL="527883" indent="0">
-              <a:buNone/>
-              <a:defRPr sz="1039" b="1"/>
+            <a:lvl3pPr marL="480060" indent="0">
+              <a:buNone/>
+              <a:defRPr sz="945" b="1"/>
             </a:lvl3pPr>
-            <a:lvl4pPr marL="791825" indent="0">
-              <a:buNone/>
-              <a:defRPr sz="924" b="1"/>
+            <a:lvl4pPr marL="720090" indent="0">
+              <a:buNone/>
+              <a:defRPr sz="840" b="1"/>
             </a:lvl4pPr>
-            <a:lvl5pPr marL="1055766" indent="0">
-              <a:buNone/>
-              <a:defRPr sz="924" b="1"/>
+            <a:lvl5pPr marL="960120" indent="0">
+              <a:buNone/>
+              <a:defRPr sz="840" b="1"/>
             </a:lvl5pPr>
-            <a:lvl6pPr marL="1319708" indent="0">
-              <a:buNone/>
-              <a:defRPr sz="924" b="1"/>
+            <a:lvl6pPr marL="1200150" indent="0">
+              <a:buNone/>
+              <a:defRPr sz="840" b="1"/>
             </a:lvl6pPr>
-            <a:lvl7pPr marL="1583649" indent="0">
-              <a:buNone/>
-              <a:defRPr sz="924" b="1"/>
+            <a:lvl7pPr marL="1440180" indent="0">
+              <a:buNone/>
+              <a:defRPr sz="840" b="1"/>
             </a:lvl7pPr>
-            <a:lvl8pPr marL="1847591" indent="0">
-              <a:buNone/>
-              <a:defRPr sz="924" b="1"/>
+            <a:lvl8pPr marL="1680210" indent="0">
+              <a:buNone/>
+              <a:defRPr sz="840" b="1"/>
             </a:lvl8pPr>
-            <a:lvl9pPr marL="2111532" indent="0">
-              <a:buNone/>
-              <a:defRPr sz="924" b="1"/>
+            <a:lvl9pPr marL="1920240" indent="0">
+              <a:buNone/>
+              <a:defRPr sz="840" b="1"/>
             </a:lvl9pPr>
           </a:lstStyle>
           <a:p>
             <a:pPr lvl="0"/>
             <a:r>
-              <a:rPr lang="en-US"/>
-              <a:t>Click to edit Master text styles</a:t>
+              <a:rPr lang="de-DE"/>
+              <a:t>Mastertextformat bearbeiten</a:t>
             </a:r>
           </a:p>
         </p:txBody>
@@ -1424,8 +1422,8 @@
         </p:nvSpPr>
         <p:spPr>
           <a:xfrm>
-            <a:off x="520712" y="1446217"/>
-            <a:ext cx="3198097" cy="2127167"/>
+            <a:off x="347179" y="1315164"/>
+            <a:ext cx="2132288" cy="1934409"/>
           </a:xfrm>
         </p:spPr>
         <p:txBody>
@@ -1434,36 +1432,36 @@
           <a:p>
             <a:pPr lvl="0"/>
             <a:r>
-              <a:rPr lang="en-US"/>
-              <a:t>Click to edit Master text styles</a:t>
+              <a:rPr lang="de-DE"/>
+              <a:t>Mastertextformat bearbeiten</a:t>
             </a:r>
           </a:p>
           <a:p>
             <a:pPr lvl="1"/>
             <a:r>
-              <a:rPr lang="en-US"/>
-              <a:t>Second level</a:t>
+              <a:rPr lang="de-DE"/>
+              <a:t>Zweite Ebene</a:t>
             </a:r>
           </a:p>
           <a:p>
             <a:pPr lvl="2"/>
             <a:r>
-              <a:rPr lang="en-US"/>
-              <a:t>Third level</a:t>
+              <a:rPr lang="de-DE"/>
+              <a:t>Dritte Ebene</a:t>
             </a:r>
           </a:p>
           <a:p>
             <a:pPr lvl="3"/>
             <a:r>
-              <a:rPr lang="en-US"/>
-              <a:t>Fourth level</a:t>
+              <a:rPr lang="de-DE"/>
+              <a:t>Vierte Ebene</a:t>
             </a:r>
           </a:p>
           <a:p>
             <a:pPr lvl="4"/>
             <a:r>
-              <a:rPr lang="en-US"/>
-              <a:t>Fifth level</a:t>
+              <a:rPr lang="de-DE"/>
+              <a:t>Fünfte Ebene</a:t>
             </a:r>
             <a:endParaRPr lang="en-US" dirty="0"/>
           </a:p>
@@ -1481,8 +1479,8 @@
         </p:nvSpPr>
         <p:spPr>
           <a:xfrm>
-            <a:off x="3827085" y="970560"/>
-            <a:ext cx="3213847" cy="475657"/>
+            <a:off x="2551658" y="882610"/>
+            <a:ext cx="2142790" cy="432554"/>
           </a:xfrm>
         </p:spPr>
         <p:txBody>
@@ -1490,46 +1488,46 @@
           <a:lstStyle>
             <a:lvl1pPr marL="0" indent="0">
               <a:buNone/>
-              <a:defRPr sz="1386" b="1"/>
+              <a:defRPr sz="1260" b="1"/>
             </a:lvl1pPr>
-            <a:lvl2pPr marL="263942" indent="0">
-              <a:buNone/>
-              <a:defRPr sz="1155" b="1"/>
+            <a:lvl2pPr marL="240030" indent="0">
+              <a:buNone/>
+              <a:defRPr sz="1050" b="1"/>
             </a:lvl2pPr>
-            <a:lvl3pPr marL="527883" indent="0">
-              <a:buNone/>
-              <a:defRPr sz="1039" b="1"/>
+            <a:lvl3pPr marL="480060" indent="0">
+              <a:buNone/>
+              <a:defRPr sz="945" b="1"/>
             </a:lvl3pPr>
-            <a:lvl4pPr marL="791825" indent="0">
-              <a:buNone/>
-              <a:defRPr sz="924" b="1"/>
+            <a:lvl4pPr marL="720090" indent="0">
+              <a:buNone/>
+              <a:defRPr sz="840" b="1"/>
             </a:lvl4pPr>
-            <a:lvl5pPr marL="1055766" indent="0">
-              <a:buNone/>
-              <a:defRPr sz="924" b="1"/>
+            <a:lvl5pPr marL="960120" indent="0">
+              <a:buNone/>
+              <a:defRPr sz="840" b="1"/>
             </a:lvl5pPr>
-            <a:lvl6pPr marL="1319708" indent="0">
-              <a:buNone/>
-              <a:defRPr sz="924" b="1"/>
+            <a:lvl6pPr marL="1200150" indent="0">
+              <a:buNone/>
+              <a:defRPr sz="840" b="1"/>
             </a:lvl6pPr>
-            <a:lvl7pPr marL="1583649" indent="0">
-              <a:buNone/>
-              <a:defRPr sz="924" b="1"/>
+            <a:lvl7pPr marL="1440180" indent="0">
+              <a:buNone/>
+              <a:defRPr sz="840" b="1"/>
             </a:lvl7pPr>
-            <a:lvl8pPr marL="1847591" indent="0">
-              <a:buNone/>
-              <a:defRPr sz="924" b="1"/>
+            <a:lvl8pPr marL="1680210" indent="0">
+              <a:buNone/>
+              <a:defRPr sz="840" b="1"/>
             </a:lvl8pPr>
-            <a:lvl9pPr marL="2111532" indent="0">
-              <a:buNone/>
-              <a:defRPr sz="924" b="1"/>
+            <a:lvl9pPr marL="1920240" indent="0">
+              <a:buNone/>
+              <a:defRPr sz="840" b="1"/>
             </a:lvl9pPr>
           </a:lstStyle>
           <a:p>
             <a:pPr lvl="0"/>
             <a:r>
-              <a:rPr lang="en-US"/>
-              <a:t>Click to edit Master text styles</a:t>
+              <a:rPr lang="de-DE"/>
+              <a:t>Mastertextformat bearbeiten</a:t>
             </a:r>
           </a:p>
         </p:txBody>
@@ -1546,8 +1544,8 @@
         </p:nvSpPr>
         <p:spPr>
           <a:xfrm>
-            <a:off x="3827085" y="1446217"/>
-            <a:ext cx="3213847" cy="2127167"/>
+            <a:off x="2551658" y="1315164"/>
+            <a:ext cx="2142790" cy="1934409"/>
           </a:xfrm>
         </p:spPr>
         <p:txBody>
@@ -1556,36 +1554,36 @@
           <a:p>
             <a:pPr lvl="0"/>
             <a:r>
-              <a:rPr lang="en-US"/>
-              <a:t>Click to edit Master text styles</a:t>
+              <a:rPr lang="de-DE"/>
+              <a:t>Mastertextformat bearbeiten</a:t>
             </a:r>
           </a:p>
           <a:p>
             <a:pPr lvl="1"/>
             <a:r>
-              <a:rPr lang="en-US"/>
-              <a:t>Second level</a:t>
+              <a:rPr lang="de-DE"/>
+              <a:t>Zweite Ebene</a:t>
             </a:r>
           </a:p>
           <a:p>
             <a:pPr lvl="2"/>
             <a:r>
-              <a:rPr lang="en-US"/>
-              <a:t>Third level</a:t>
+              <a:rPr lang="de-DE"/>
+              <a:t>Dritte Ebene</a:t>
             </a:r>
           </a:p>
           <a:p>
             <a:pPr lvl="3"/>
             <a:r>
-              <a:rPr lang="en-US"/>
-              <a:t>Fourth level</a:t>
+              <a:rPr lang="de-DE"/>
+              <a:t>Vierte Ebene</a:t>
             </a:r>
           </a:p>
           <a:p>
             <a:pPr lvl="4"/>
             <a:r>
-              <a:rPr lang="en-US"/>
-              <a:t>Fifth level</a:t>
+              <a:rPr lang="de-DE"/>
+              <a:t>Fünfte Ebene</a:t>
             </a:r>
             <a:endParaRPr lang="en-US" dirty="0"/>
           </a:p>
@@ -1608,7 +1606,7 @@
           <a:p>
             <a:fld id="{51BCCF01-26B7-4A41-9BE9-A8D5676ACC9D}" type="datetimeFigureOut">
               <a:rPr lang="de-DE" smtClean="0"/>
-              <a:t>29.11.2021</a:t>
+              <a:t>14.12.2022</a:t>
             </a:fld>
             <a:endParaRPr lang="de-DE"/>
           </a:p>
@@ -1650,7 +1648,7 @@
           <a:p>
             <a:fld id="{4E69F17C-D0D7-4BE2-91F9-E0ED817930D0}" type="slidenum">
               <a:rPr lang="de-DE" smtClean="0"/>
-              <a:t>‹#›</a:t>
+              <a:t>‹Nr.›</a:t>
             </a:fld>
             <a:endParaRPr lang="de-DE"/>
           </a:p>
@@ -1659,7 +1657,7 @@
     </p:spTree>
     <p:extLst>
       <p:ext uri="{BB962C8B-B14F-4D97-AF65-F5344CB8AC3E}">
-        <p14:creationId xmlns:p14="http://schemas.microsoft.com/office/powerpoint/2010/main" val="4236895189"/>
+        <p14:creationId xmlns:p14="http://schemas.microsoft.com/office/powerpoint/2010/main" val="2196498778"/>
       </p:ext>
     </p:extLst>
   </p:cSld>
@@ -1671,7 +1669,7 @@
 
 <file path=ppt/slideLayouts/slideLayout6.xml><?xml version="1.0" encoding="utf-8"?>
 <p:sldLayout xmlns:a="http://schemas.openxmlformats.org/drawingml/2006/main" xmlns:r="http://schemas.openxmlformats.org/officeDocument/2006/relationships" xmlns:p="http://schemas.openxmlformats.org/presentationml/2006/main" type="titleOnly" preserve="1">
-  <p:cSld name="Title Only">
+  <p:cSld name="Nur Titel">
     <p:spTree>
       <p:nvGrpSpPr>
         <p:cNvPr id="1" name=""/>
@@ -1702,8 +1700,8 @@
           <a:lstStyle/>
           <a:p>
             <a:r>
-              <a:rPr lang="en-US"/>
-              <a:t>Click to edit Master title style</a:t>
+              <a:rPr lang="de-DE"/>
+              <a:t>Mastertitelformat bearbeiten</a:t>
             </a:r>
             <a:endParaRPr lang="en-US" dirty="0"/>
           </a:p>
@@ -1726,7 +1724,7 @@
           <a:p>
             <a:fld id="{51BCCF01-26B7-4A41-9BE9-A8D5676ACC9D}" type="datetimeFigureOut">
               <a:rPr lang="de-DE" smtClean="0"/>
-              <a:t>29.11.2021</a:t>
+              <a:t>14.12.2022</a:t>
             </a:fld>
             <a:endParaRPr lang="de-DE"/>
           </a:p>
@@ -1768,7 +1766,7 @@
           <a:p>
             <a:fld id="{4E69F17C-D0D7-4BE2-91F9-E0ED817930D0}" type="slidenum">
               <a:rPr lang="de-DE" smtClean="0"/>
-              <a:t>‹#›</a:t>
+              <a:t>‹Nr.›</a:t>
             </a:fld>
             <a:endParaRPr lang="de-DE"/>
           </a:p>
@@ -1777,7 +1775,7 @@
     </p:spTree>
     <p:extLst>
       <p:ext uri="{BB962C8B-B14F-4D97-AF65-F5344CB8AC3E}">
-        <p14:creationId xmlns:p14="http://schemas.microsoft.com/office/powerpoint/2010/main" val="68916167"/>
+        <p14:creationId xmlns:p14="http://schemas.microsoft.com/office/powerpoint/2010/main" val="1894427942"/>
       </p:ext>
     </p:extLst>
   </p:cSld>
@@ -1789,7 +1787,7 @@
 
 <file path=ppt/slideLayouts/slideLayout7.xml><?xml version="1.0" encoding="utf-8"?>
 <p:sldLayout xmlns:a="http://schemas.openxmlformats.org/drawingml/2006/main" xmlns:r="http://schemas.openxmlformats.org/officeDocument/2006/relationships" xmlns:p="http://schemas.openxmlformats.org/presentationml/2006/main" type="blank" preserve="1">
-  <p:cSld name="Blank">
+  <p:cSld name="Leer">
     <p:spTree>
       <p:nvGrpSpPr>
         <p:cNvPr id="1" name=""/>
@@ -1821,7 +1819,7 @@
           <a:p>
             <a:fld id="{51BCCF01-26B7-4A41-9BE9-A8D5676ACC9D}" type="datetimeFigureOut">
               <a:rPr lang="de-DE" smtClean="0"/>
-              <a:t>29.11.2021</a:t>
+              <a:t>14.12.2022</a:t>
             </a:fld>
             <a:endParaRPr lang="de-DE"/>
           </a:p>
@@ -1863,7 +1861,7 @@
           <a:p>
             <a:fld id="{4E69F17C-D0D7-4BE2-91F9-E0ED817930D0}" type="slidenum">
               <a:rPr lang="de-DE" smtClean="0"/>
-              <a:t>‹#›</a:t>
+              <a:t>‹Nr.›</a:t>
             </a:fld>
             <a:endParaRPr lang="de-DE"/>
           </a:p>
@@ -1872,7 +1870,7 @@
     </p:spTree>
     <p:extLst>
       <p:ext uri="{BB962C8B-B14F-4D97-AF65-F5344CB8AC3E}">
-        <p14:creationId xmlns:p14="http://schemas.microsoft.com/office/powerpoint/2010/main" val="2281921597"/>
+        <p14:creationId xmlns:p14="http://schemas.microsoft.com/office/powerpoint/2010/main" val="2946642586"/>
       </p:ext>
     </p:extLst>
   </p:cSld>
@@ -1884,7 +1882,7 @@
 
 <file path=ppt/slideLayouts/slideLayout8.xml><?xml version="1.0" encoding="utf-8"?>
 <p:sldLayout xmlns:a="http://schemas.openxmlformats.org/drawingml/2006/main" xmlns:r="http://schemas.openxmlformats.org/officeDocument/2006/relationships" xmlns:p="http://schemas.openxmlformats.org/presentationml/2006/main" type="objTx" preserve="1">
-  <p:cSld name="Content with Caption">
+  <p:cSld name="Inhalt mit Überschrift">
     <p:spTree>
       <p:nvGrpSpPr>
         <p:cNvPr id="1" name=""/>
@@ -1911,21 +1909,21 @@
         </p:nvSpPr>
         <p:spPr>
           <a:xfrm>
-            <a:off x="520712" y="263948"/>
-            <a:ext cx="2438192" cy="923819"/>
+            <a:off x="347178" y="240030"/>
+            <a:ext cx="1625632" cy="840105"/>
           </a:xfrm>
         </p:spPr>
         <p:txBody>
           <a:bodyPr anchor="b"/>
           <a:lstStyle>
             <a:lvl1pPr>
-              <a:defRPr sz="1847"/>
+              <a:defRPr sz="1680"/>
             </a:lvl1pPr>
           </a:lstStyle>
           <a:p>
             <a:r>
-              <a:rPr lang="en-US"/>
-              <a:t>Click to edit Master title style</a:t>
+              <a:rPr lang="de-DE"/>
+              <a:t>Mastertitelformat bearbeiten</a:t>
             </a:r>
             <a:endParaRPr lang="en-US" dirty="0"/>
           </a:p>
@@ -1943,74 +1941,74 @@
         </p:nvSpPr>
         <p:spPr>
           <a:xfrm>
-            <a:off x="3213847" y="570055"/>
-            <a:ext cx="3827085" cy="2813616"/>
+            <a:off x="2142790" y="518399"/>
+            <a:ext cx="2551658" cy="2558653"/>
           </a:xfrm>
         </p:spPr>
         <p:txBody>
           <a:bodyPr/>
           <a:lstStyle>
             <a:lvl1pPr>
-              <a:defRPr sz="1847"/>
+              <a:defRPr sz="1680"/>
             </a:lvl1pPr>
             <a:lvl2pPr>
-              <a:defRPr sz="1616"/>
+              <a:defRPr sz="1470"/>
             </a:lvl2pPr>
             <a:lvl3pPr>
-              <a:defRPr sz="1386"/>
+              <a:defRPr sz="1260"/>
             </a:lvl3pPr>
             <a:lvl4pPr>
-              <a:defRPr sz="1155"/>
+              <a:defRPr sz="1050"/>
             </a:lvl4pPr>
             <a:lvl5pPr>
-              <a:defRPr sz="1155"/>
+              <a:defRPr sz="1050"/>
             </a:lvl5pPr>
             <a:lvl6pPr>
-              <a:defRPr sz="1155"/>
+              <a:defRPr sz="1050"/>
             </a:lvl6pPr>
             <a:lvl7pPr>
-              <a:defRPr sz="1155"/>
+              <a:defRPr sz="1050"/>
             </a:lvl7pPr>
             <a:lvl8pPr>
-              <a:defRPr sz="1155"/>
+              <a:defRPr sz="1050"/>
             </a:lvl8pPr>
             <a:lvl9pPr>
-              <a:defRPr sz="1155"/>
+              <a:defRPr sz="1050"/>
             </a:lvl9pPr>
           </a:lstStyle>
           <a:p>
             <a:pPr lvl="0"/>
             <a:r>
-              <a:rPr lang="en-US"/>
-              <a:t>Click to edit Master text styles</a:t>
+              <a:rPr lang="de-DE"/>
+              <a:t>Mastertextformat bearbeiten</a:t>
             </a:r>
           </a:p>
           <a:p>
             <a:pPr lvl="1"/>
             <a:r>
-              <a:rPr lang="en-US"/>
-              <a:t>Second level</a:t>
+              <a:rPr lang="de-DE"/>
+              <a:t>Zweite Ebene</a:t>
             </a:r>
           </a:p>
           <a:p>
             <a:pPr lvl="2"/>
             <a:r>
-              <a:rPr lang="en-US"/>
-              <a:t>Third level</a:t>
+              <a:rPr lang="de-DE"/>
+              <a:t>Dritte Ebene</a:t>
             </a:r>
           </a:p>
           <a:p>
             <a:pPr lvl="3"/>
             <a:r>
-              <a:rPr lang="en-US"/>
-              <a:t>Fourth level</a:t>
+              <a:rPr lang="de-DE"/>
+              <a:t>Vierte Ebene</a:t>
             </a:r>
           </a:p>
           <a:p>
             <a:pPr lvl="4"/>
             <a:r>
-              <a:rPr lang="en-US"/>
-              <a:t>Fifth level</a:t>
+              <a:rPr lang="de-DE"/>
+              <a:t>Fünfte Ebene</a:t>
             </a:r>
             <a:endParaRPr lang="en-US" dirty="0"/>
           </a:p>
@@ -2028,8 +2026,8 @@
         </p:nvSpPr>
         <p:spPr>
           <a:xfrm>
-            <a:off x="520712" y="1187768"/>
-            <a:ext cx="2438192" cy="2200486"/>
+            <a:off x="347178" y="1080135"/>
+            <a:ext cx="1625632" cy="2001084"/>
           </a:xfrm>
         </p:spPr>
         <p:txBody>
@@ -2037,46 +2035,46 @@
           <a:lstStyle>
             <a:lvl1pPr marL="0" indent="0">
               <a:buNone/>
-              <a:defRPr sz="924"/>
+              <a:defRPr sz="840"/>
             </a:lvl1pPr>
-            <a:lvl2pPr marL="263942" indent="0">
-              <a:buNone/>
-              <a:defRPr sz="808"/>
+            <a:lvl2pPr marL="240030" indent="0">
+              <a:buNone/>
+              <a:defRPr sz="735"/>
             </a:lvl2pPr>
-            <a:lvl3pPr marL="527883" indent="0">
-              <a:buNone/>
-              <a:defRPr sz="693"/>
+            <a:lvl3pPr marL="480060" indent="0">
+              <a:buNone/>
+              <a:defRPr sz="630"/>
             </a:lvl3pPr>
-            <a:lvl4pPr marL="791825" indent="0">
-              <a:buNone/>
-              <a:defRPr sz="577"/>
+            <a:lvl4pPr marL="720090" indent="0">
+              <a:buNone/>
+              <a:defRPr sz="525"/>
             </a:lvl4pPr>
-            <a:lvl5pPr marL="1055766" indent="0">
-              <a:buNone/>
-              <a:defRPr sz="577"/>
+            <a:lvl5pPr marL="960120" indent="0">
+              <a:buNone/>
+              <a:defRPr sz="525"/>
             </a:lvl5pPr>
-            <a:lvl6pPr marL="1319708" indent="0">
-              <a:buNone/>
-              <a:defRPr sz="577"/>
+            <a:lvl6pPr marL="1200150" indent="0">
+              <a:buNone/>
+              <a:defRPr sz="525"/>
             </a:lvl6pPr>
-            <a:lvl7pPr marL="1583649" indent="0">
-              <a:buNone/>
-              <a:defRPr sz="577"/>
+            <a:lvl7pPr marL="1440180" indent="0">
+              <a:buNone/>
+              <a:defRPr sz="525"/>
             </a:lvl7pPr>
-            <a:lvl8pPr marL="1847591" indent="0">
-              <a:buNone/>
-              <a:defRPr sz="577"/>
+            <a:lvl8pPr marL="1680210" indent="0">
+              <a:buNone/>
+              <a:defRPr sz="525"/>
             </a:lvl8pPr>
-            <a:lvl9pPr marL="2111532" indent="0">
-              <a:buNone/>
-              <a:defRPr sz="577"/>
+            <a:lvl9pPr marL="1920240" indent="0">
+              <a:buNone/>
+              <a:defRPr sz="525"/>
             </a:lvl9pPr>
           </a:lstStyle>
           <a:p>
             <a:pPr lvl="0"/>
             <a:r>
-              <a:rPr lang="en-US"/>
-              <a:t>Click to edit Master text styles</a:t>
+              <a:rPr lang="de-DE"/>
+              <a:t>Mastertextformat bearbeiten</a:t>
             </a:r>
           </a:p>
         </p:txBody>
@@ -2098,7 +2096,7 @@
           <a:p>
             <a:fld id="{51BCCF01-26B7-4A41-9BE9-A8D5676ACC9D}" type="datetimeFigureOut">
               <a:rPr lang="de-DE" smtClean="0"/>
-              <a:t>29.11.2021</a:t>
+              <a:t>14.12.2022</a:t>
             </a:fld>
             <a:endParaRPr lang="de-DE"/>
           </a:p>
@@ -2140,7 +2138,7 @@
           <a:p>
             <a:fld id="{4E69F17C-D0D7-4BE2-91F9-E0ED817930D0}" type="slidenum">
               <a:rPr lang="de-DE" smtClean="0"/>
-              <a:t>‹#›</a:t>
+              <a:t>‹Nr.›</a:t>
             </a:fld>
             <a:endParaRPr lang="de-DE"/>
           </a:p>
@@ -2149,7 +2147,7 @@
     </p:spTree>
     <p:extLst>
       <p:ext uri="{BB962C8B-B14F-4D97-AF65-F5344CB8AC3E}">
-        <p14:creationId xmlns:p14="http://schemas.microsoft.com/office/powerpoint/2010/main" val="238980596"/>
+        <p14:creationId xmlns:p14="http://schemas.microsoft.com/office/powerpoint/2010/main" val="226572935"/>
       </p:ext>
     </p:extLst>
   </p:cSld>
@@ -2161,7 +2159,7 @@
 
 <file path=ppt/slideLayouts/slideLayout9.xml><?xml version="1.0" encoding="utf-8"?>
 <p:sldLayout xmlns:a="http://schemas.openxmlformats.org/drawingml/2006/main" xmlns:r="http://schemas.openxmlformats.org/officeDocument/2006/relationships" xmlns:p="http://schemas.openxmlformats.org/presentationml/2006/main" type="picTx" preserve="1">
-  <p:cSld name="Picture with Caption">
+  <p:cSld name="Bild mit Überschrift">
     <p:spTree>
       <p:nvGrpSpPr>
         <p:cNvPr id="1" name=""/>
@@ -2188,21 +2186,21 @@
         </p:nvSpPr>
         <p:spPr>
           <a:xfrm>
-            <a:off x="520712" y="263948"/>
-            <a:ext cx="2438192" cy="923819"/>
+            <a:off x="347178" y="240030"/>
+            <a:ext cx="1625632" cy="840105"/>
           </a:xfrm>
         </p:spPr>
         <p:txBody>
           <a:bodyPr anchor="b"/>
           <a:lstStyle>
             <a:lvl1pPr>
-              <a:defRPr sz="1847"/>
+              <a:defRPr sz="1680"/>
             </a:lvl1pPr>
           </a:lstStyle>
           <a:p>
             <a:r>
-              <a:rPr lang="en-US"/>
-              <a:t>Click to edit Master title style</a:t>
+              <a:rPr lang="de-DE"/>
+              <a:t>Mastertitelformat bearbeiten</a:t>
             </a:r>
             <a:endParaRPr lang="en-US" dirty="0"/>
           </a:p>
@@ -2220,8 +2218,8 @@
         </p:nvSpPr>
         <p:spPr>
           <a:xfrm>
-            <a:off x="3213847" y="570055"/>
-            <a:ext cx="3827085" cy="2813616"/>
+            <a:off x="2142790" y="518399"/>
+            <a:ext cx="2551658" cy="2558653"/>
           </a:xfrm>
         </p:spPr>
         <p:txBody>
@@ -2229,45 +2227,45 @@
           <a:lstStyle>
             <a:lvl1pPr marL="0" indent="0">
               <a:buNone/>
-              <a:defRPr sz="1847"/>
+              <a:defRPr sz="1680"/>
             </a:lvl1pPr>
-            <a:lvl2pPr marL="263942" indent="0">
-              <a:buNone/>
-              <a:defRPr sz="1616"/>
+            <a:lvl2pPr marL="240030" indent="0">
+              <a:buNone/>
+              <a:defRPr sz="1470"/>
             </a:lvl2pPr>
-            <a:lvl3pPr marL="527883" indent="0">
-              <a:buNone/>
-              <a:defRPr sz="1386"/>
+            <a:lvl3pPr marL="480060" indent="0">
+              <a:buNone/>
+              <a:defRPr sz="1260"/>
             </a:lvl3pPr>
-            <a:lvl4pPr marL="791825" indent="0">
-              <a:buNone/>
-              <a:defRPr sz="1155"/>
+            <a:lvl4pPr marL="720090" indent="0">
+              <a:buNone/>
+              <a:defRPr sz="1050"/>
             </a:lvl4pPr>
-            <a:lvl5pPr marL="1055766" indent="0">
-              <a:buNone/>
-              <a:defRPr sz="1155"/>
+            <a:lvl5pPr marL="960120" indent="0">
+              <a:buNone/>
+              <a:defRPr sz="1050"/>
             </a:lvl5pPr>
-            <a:lvl6pPr marL="1319708" indent="0">
-              <a:buNone/>
-              <a:defRPr sz="1155"/>
+            <a:lvl6pPr marL="1200150" indent="0">
+              <a:buNone/>
+              <a:defRPr sz="1050"/>
             </a:lvl6pPr>
-            <a:lvl7pPr marL="1583649" indent="0">
-              <a:buNone/>
-              <a:defRPr sz="1155"/>
+            <a:lvl7pPr marL="1440180" indent="0">
+              <a:buNone/>
+              <a:defRPr sz="1050"/>
             </a:lvl7pPr>
-            <a:lvl8pPr marL="1847591" indent="0">
-              <a:buNone/>
-              <a:defRPr sz="1155"/>
+            <a:lvl8pPr marL="1680210" indent="0">
+              <a:buNone/>
+              <a:defRPr sz="1050"/>
             </a:lvl8pPr>
-            <a:lvl9pPr marL="2111532" indent="0">
-              <a:buNone/>
-              <a:defRPr sz="1155"/>
+            <a:lvl9pPr marL="1920240" indent="0">
+              <a:buNone/>
+              <a:defRPr sz="1050"/>
             </a:lvl9pPr>
           </a:lstStyle>
           <a:p>
             <a:r>
-              <a:rPr lang="en-US"/>
-              <a:t>Click icon to add picture</a:t>
+              <a:rPr lang="de-DE"/>
+              <a:t>Bild durch Klicken auf Symbol hinzufügen</a:t>
             </a:r>
             <a:endParaRPr lang="en-US" dirty="0"/>
           </a:p>
@@ -2285,8 +2283,8 @@
         </p:nvSpPr>
         <p:spPr>
           <a:xfrm>
-            <a:off x="520712" y="1187768"/>
-            <a:ext cx="2438192" cy="2200486"/>
+            <a:off x="347178" y="1080135"/>
+            <a:ext cx="1625632" cy="2001084"/>
           </a:xfrm>
         </p:spPr>
         <p:txBody>
@@ -2294,46 +2292,46 @@
           <a:lstStyle>
             <a:lvl1pPr marL="0" indent="0">
               <a:buNone/>
-              <a:defRPr sz="924"/>
+              <a:defRPr sz="840"/>
             </a:lvl1pPr>
-            <a:lvl2pPr marL="263942" indent="0">
-              <a:buNone/>
-              <a:defRPr sz="808"/>
+            <a:lvl2pPr marL="240030" indent="0">
+              <a:buNone/>
+              <a:defRPr sz="735"/>
             </a:lvl2pPr>
-            <a:lvl3pPr marL="527883" indent="0">
-              <a:buNone/>
-              <a:defRPr sz="693"/>
+            <a:lvl3pPr marL="480060" indent="0">
+              <a:buNone/>
+              <a:defRPr sz="630"/>
             </a:lvl3pPr>
-            <a:lvl4pPr marL="791825" indent="0">
-              <a:buNone/>
-              <a:defRPr sz="577"/>
+            <a:lvl4pPr marL="720090" indent="0">
+              <a:buNone/>
+              <a:defRPr sz="525"/>
             </a:lvl4pPr>
-            <a:lvl5pPr marL="1055766" indent="0">
-              <a:buNone/>
-              <a:defRPr sz="577"/>
+            <a:lvl5pPr marL="960120" indent="0">
+              <a:buNone/>
+              <a:defRPr sz="525"/>
             </a:lvl5pPr>
-            <a:lvl6pPr marL="1319708" indent="0">
-              <a:buNone/>
-              <a:defRPr sz="577"/>
+            <a:lvl6pPr marL="1200150" indent="0">
+              <a:buNone/>
+              <a:defRPr sz="525"/>
             </a:lvl6pPr>
-            <a:lvl7pPr marL="1583649" indent="0">
-              <a:buNone/>
-              <a:defRPr sz="577"/>
+            <a:lvl7pPr marL="1440180" indent="0">
+              <a:buNone/>
+              <a:defRPr sz="525"/>
             </a:lvl7pPr>
-            <a:lvl8pPr marL="1847591" indent="0">
-              <a:buNone/>
-              <a:defRPr sz="577"/>
+            <a:lvl8pPr marL="1680210" indent="0">
+              <a:buNone/>
+              <a:defRPr sz="525"/>
             </a:lvl8pPr>
-            <a:lvl9pPr marL="2111532" indent="0">
-              <a:buNone/>
-              <a:defRPr sz="577"/>
+            <a:lvl9pPr marL="1920240" indent="0">
+              <a:buNone/>
+              <a:defRPr sz="525"/>
             </a:lvl9pPr>
           </a:lstStyle>
           <a:p>
             <a:pPr lvl="0"/>
             <a:r>
-              <a:rPr lang="en-US"/>
-              <a:t>Click to edit Master text styles</a:t>
+              <a:rPr lang="de-DE"/>
+              <a:t>Mastertextformat bearbeiten</a:t>
             </a:r>
           </a:p>
         </p:txBody>
@@ -2355,7 +2353,7 @@
           <a:p>
             <a:fld id="{51BCCF01-26B7-4A41-9BE9-A8D5676ACC9D}" type="datetimeFigureOut">
               <a:rPr lang="de-DE" smtClean="0"/>
-              <a:t>29.11.2021</a:t>
+              <a:t>14.12.2022</a:t>
             </a:fld>
             <a:endParaRPr lang="de-DE"/>
           </a:p>
@@ -2397,7 +2395,7 @@
           <a:p>
             <a:fld id="{4E69F17C-D0D7-4BE2-91F9-E0ED817930D0}" type="slidenum">
               <a:rPr lang="de-DE" smtClean="0"/>
-              <a:t>‹#›</a:t>
+              <a:t>‹Nr.›</a:t>
             </a:fld>
             <a:endParaRPr lang="de-DE"/>
           </a:p>
@@ -2406,7 +2404,7 @@
     </p:spTree>
     <p:extLst>
       <p:ext uri="{BB962C8B-B14F-4D97-AF65-F5344CB8AC3E}">
-        <p14:creationId xmlns:p14="http://schemas.microsoft.com/office/powerpoint/2010/main" val="2960143599"/>
+        <p14:creationId xmlns:p14="http://schemas.microsoft.com/office/powerpoint/2010/main" val="355691236"/>
       </p:ext>
     </p:extLst>
   </p:cSld>
@@ -2450,8 +2448,8 @@
         </p:nvSpPr>
         <p:spPr>
           <a:xfrm>
-            <a:off x="519728" y="210792"/>
-            <a:ext cx="6520220" cy="765267"/>
+            <a:off x="346522" y="191691"/>
+            <a:ext cx="4347270" cy="695921"/>
           </a:xfrm>
           <a:prstGeom prst="rect">
             <a:avLst/>
@@ -2464,8 +2462,8 @@
           <a:lstStyle/>
           <a:p>
             <a:r>
-              <a:rPr lang="en-US"/>
-              <a:t>Click to edit Master title style</a:t>
+              <a:rPr lang="de-DE"/>
+              <a:t>Mastertitelformat bearbeiten</a:t>
             </a:r>
             <a:endParaRPr lang="en-US" dirty="0"/>
           </a:p>
@@ -2483,8 +2481,8 @@
         </p:nvSpPr>
         <p:spPr>
           <a:xfrm>
-            <a:off x="519728" y="1053960"/>
-            <a:ext cx="6520220" cy="2512092"/>
+            <a:off x="346522" y="958453"/>
+            <a:ext cx="4347270" cy="2284452"/>
           </a:xfrm>
           <a:prstGeom prst="rect">
             <a:avLst/>
@@ -2498,36 +2496,36 @@
           <a:p>
             <a:pPr lvl="0"/>
             <a:r>
-              <a:rPr lang="en-US"/>
-              <a:t>Click to edit Master text styles</a:t>
+              <a:rPr lang="de-DE"/>
+              <a:t>Mastertextformat bearbeiten</a:t>
             </a:r>
           </a:p>
           <a:p>
             <a:pPr lvl="1"/>
             <a:r>
-              <a:rPr lang="en-US"/>
-              <a:t>Second level</a:t>
+              <a:rPr lang="de-DE"/>
+              <a:t>Zweite Ebene</a:t>
             </a:r>
           </a:p>
           <a:p>
             <a:pPr lvl="2"/>
             <a:r>
-              <a:rPr lang="en-US"/>
-              <a:t>Third level</a:t>
+              <a:rPr lang="de-DE"/>
+              <a:t>Dritte Ebene</a:t>
             </a:r>
           </a:p>
           <a:p>
             <a:pPr lvl="3"/>
             <a:r>
-              <a:rPr lang="en-US"/>
-              <a:t>Fourth level</a:t>
+              <a:rPr lang="de-DE"/>
+              <a:t>Vierte Ebene</a:t>
             </a:r>
           </a:p>
           <a:p>
             <a:pPr lvl="4"/>
             <a:r>
-              <a:rPr lang="en-US"/>
-              <a:t>Fifth level</a:t>
+              <a:rPr lang="de-DE"/>
+              <a:t>Fünfte Ebene</a:t>
             </a:r>
             <a:endParaRPr lang="en-US" dirty="0"/>
           </a:p>
@@ -2545,8 +2543,8 @@
         </p:nvSpPr>
         <p:spPr>
           <a:xfrm>
-            <a:off x="519728" y="3669615"/>
-            <a:ext cx="1700927" cy="210792"/>
+            <a:off x="346522" y="3337084"/>
+            <a:ext cx="1134070" cy="191691"/>
           </a:xfrm>
           <a:prstGeom prst="rect">
             <a:avLst/>
@@ -2556,7 +2554,7 @@
           <a:bodyPr vert="horz" lIns="91440" tIns="45720" rIns="91440" bIns="45720" rtlCol="0" anchor="ctr"/>
           <a:lstStyle>
             <a:lvl1pPr algn="l">
-              <a:defRPr sz="693">
+              <a:defRPr sz="630">
                 <a:solidFill>
                   <a:schemeClr val="tx1">
                     <a:tint val="75000"/>
@@ -2568,7 +2566,7 @@
           <a:p>
             <a:fld id="{51BCCF01-26B7-4A41-9BE9-A8D5676ACC9D}" type="datetimeFigureOut">
               <a:rPr lang="de-DE" smtClean="0"/>
-              <a:t>29.11.2021</a:t>
+              <a:t>14.12.2022</a:t>
             </a:fld>
             <a:endParaRPr lang="de-DE"/>
           </a:p>
@@ -2586,8 +2584,8 @@
         </p:nvSpPr>
         <p:spPr>
           <a:xfrm>
-            <a:off x="2504143" y="3669615"/>
-            <a:ext cx="2551390" cy="210792"/>
+            <a:off x="1669604" y="3337084"/>
+            <a:ext cx="1701106" cy="191691"/>
           </a:xfrm>
           <a:prstGeom prst="rect">
             <a:avLst/>
@@ -2597,7 +2595,7 @@
           <a:bodyPr vert="horz" lIns="91440" tIns="45720" rIns="91440" bIns="45720" rtlCol="0" anchor="ctr"/>
           <a:lstStyle>
             <a:lvl1pPr algn="ctr">
-              <a:defRPr sz="693">
+              <a:defRPr sz="630">
                 <a:solidFill>
                   <a:schemeClr val="tx1">
                     <a:tint val="75000"/>
@@ -2623,8 +2621,8 @@
         </p:nvSpPr>
         <p:spPr>
           <a:xfrm>
-            <a:off x="5339020" y="3669615"/>
-            <a:ext cx="1700927" cy="210792"/>
+            <a:off x="3559721" y="3337084"/>
+            <a:ext cx="1134070" cy="191691"/>
           </a:xfrm>
           <a:prstGeom prst="rect">
             <a:avLst/>
@@ -2634,7 +2632,7 @@
           <a:bodyPr vert="horz" lIns="91440" tIns="45720" rIns="91440" bIns="45720" rtlCol="0" anchor="ctr"/>
           <a:lstStyle>
             <a:lvl1pPr algn="r">
-              <a:defRPr sz="693">
+              <a:defRPr sz="630">
                 <a:solidFill>
                   <a:schemeClr val="tx1">
                     <a:tint val="75000"/>
@@ -2646,7 +2644,7 @@
           <a:p>
             <a:fld id="{4E69F17C-D0D7-4BE2-91F9-E0ED817930D0}" type="slidenum">
               <a:rPr lang="de-DE" smtClean="0"/>
-              <a:t>‹#›</a:t>
+              <a:t>‹Nr.›</a:t>
             </a:fld>
             <a:endParaRPr lang="de-DE"/>
           </a:p>
@@ -2655,27 +2653,27 @@
     </p:spTree>
     <p:extLst>
       <p:ext uri="{BB962C8B-B14F-4D97-AF65-F5344CB8AC3E}">
-        <p14:creationId xmlns:p14="http://schemas.microsoft.com/office/powerpoint/2010/main" val="1055416087"/>
+        <p14:creationId xmlns:p14="http://schemas.microsoft.com/office/powerpoint/2010/main" val="1659707039"/>
       </p:ext>
     </p:extLst>
   </p:cSld>
   <p:clrMap bg1="lt1" tx1="dk1" bg2="lt2" tx2="dk2" accent1="accent1" accent2="accent2" accent3="accent3" accent4="accent4" accent5="accent5" accent6="accent6" hlink="hlink" folHlink="folHlink"/>
   <p:sldLayoutIdLst>
-    <p:sldLayoutId id="2147483769" r:id="rId1"/>
-    <p:sldLayoutId id="2147483770" r:id="rId2"/>
-    <p:sldLayoutId id="2147483771" r:id="rId3"/>
-    <p:sldLayoutId id="2147483772" r:id="rId4"/>
-    <p:sldLayoutId id="2147483773" r:id="rId5"/>
-    <p:sldLayoutId id="2147483774" r:id="rId6"/>
-    <p:sldLayoutId id="2147483775" r:id="rId7"/>
-    <p:sldLayoutId id="2147483776" r:id="rId8"/>
-    <p:sldLayoutId id="2147483777" r:id="rId9"/>
-    <p:sldLayoutId id="2147483778" r:id="rId10"/>
-    <p:sldLayoutId id="2147483779" r:id="rId11"/>
+    <p:sldLayoutId id="2147483793" r:id="rId1"/>
+    <p:sldLayoutId id="2147483794" r:id="rId2"/>
+    <p:sldLayoutId id="2147483795" r:id="rId3"/>
+    <p:sldLayoutId id="2147483796" r:id="rId4"/>
+    <p:sldLayoutId id="2147483797" r:id="rId5"/>
+    <p:sldLayoutId id="2147483798" r:id="rId6"/>
+    <p:sldLayoutId id="2147483799" r:id="rId7"/>
+    <p:sldLayoutId id="2147483800" r:id="rId8"/>
+    <p:sldLayoutId id="2147483801" r:id="rId9"/>
+    <p:sldLayoutId id="2147483802" r:id="rId10"/>
+    <p:sldLayoutId id="2147483803" r:id="rId11"/>
   </p:sldLayoutIdLst>
   <p:txStyles>
     <p:titleStyle>
-      <a:lvl1pPr algn="l" defTabSz="527883" rtl="0" eaLnBrk="1" latinLnBrk="0" hangingPunct="1">
+      <a:lvl1pPr algn="l" defTabSz="480060" rtl="0" eaLnBrk="1" latinLnBrk="0" hangingPunct="1">
         <a:lnSpc>
           <a:spcPct val="90000"/>
         </a:lnSpc>
@@ -2683,7 +2681,7 @@
           <a:spcPct val="0"/>
         </a:spcBef>
         <a:buNone/>
-        <a:defRPr sz="2540" kern="1200">
+        <a:defRPr sz="2310" kern="1200">
           <a:solidFill>
             <a:schemeClr val="tx1"/>
           </a:solidFill>
@@ -2694,16 +2692,16 @@
       </a:lvl1pPr>
     </p:titleStyle>
     <p:bodyStyle>
-      <a:lvl1pPr marL="131971" indent="-131971" algn="l" defTabSz="527883" rtl="0" eaLnBrk="1" latinLnBrk="0" hangingPunct="1">
+      <a:lvl1pPr marL="120015" indent="-120015" algn="l" defTabSz="480060" rtl="0" eaLnBrk="1" latinLnBrk="0" hangingPunct="1">
         <a:lnSpc>
           <a:spcPct val="90000"/>
         </a:lnSpc>
         <a:spcBef>
-          <a:spcPts val="577"/>
+          <a:spcPts val="525"/>
         </a:spcBef>
         <a:buFont typeface="Arial" panose="020B0604020202020204" pitchFamily="34" charset="0"/>
         <a:buChar char="•"/>
-        <a:defRPr sz="1616" kern="1200">
+        <a:defRPr sz="1470" kern="1200">
           <a:solidFill>
             <a:schemeClr val="tx1"/>
           </a:solidFill>
@@ -2712,16 +2710,16 @@
           <a:cs typeface="+mn-cs"/>
         </a:defRPr>
       </a:lvl1pPr>
-      <a:lvl2pPr marL="395912" indent="-131971" algn="l" defTabSz="527883" rtl="0" eaLnBrk="1" latinLnBrk="0" hangingPunct="1">
+      <a:lvl2pPr marL="360045" indent="-120015" algn="l" defTabSz="480060" rtl="0" eaLnBrk="1" latinLnBrk="0" hangingPunct="1">
         <a:lnSpc>
           <a:spcPct val="90000"/>
         </a:lnSpc>
         <a:spcBef>
-          <a:spcPts val="289"/>
+          <a:spcPts val="263"/>
         </a:spcBef>
         <a:buFont typeface="Arial" panose="020B0604020202020204" pitchFamily="34" charset="0"/>
         <a:buChar char="•"/>
-        <a:defRPr sz="1386" kern="1200">
+        <a:defRPr sz="1260" kern="1200">
           <a:solidFill>
             <a:schemeClr val="tx1"/>
           </a:solidFill>
@@ -2730,16 +2728,16 @@
           <a:cs typeface="+mn-cs"/>
         </a:defRPr>
       </a:lvl2pPr>
-      <a:lvl3pPr marL="659854" indent="-131971" algn="l" defTabSz="527883" rtl="0" eaLnBrk="1" latinLnBrk="0" hangingPunct="1">
+      <a:lvl3pPr marL="600075" indent="-120015" algn="l" defTabSz="480060" rtl="0" eaLnBrk="1" latinLnBrk="0" hangingPunct="1">
         <a:lnSpc>
           <a:spcPct val="90000"/>
         </a:lnSpc>
         <a:spcBef>
-          <a:spcPts val="289"/>
+          <a:spcPts val="263"/>
         </a:spcBef>
         <a:buFont typeface="Arial" panose="020B0604020202020204" pitchFamily="34" charset="0"/>
         <a:buChar char="•"/>
-        <a:defRPr sz="1155" kern="1200">
+        <a:defRPr sz="1050" kern="1200">
           <a:solidFill>
             <a:schemeClr val="tx1"/>
           </a:solidFill>
@@ -2748,16 +2746,16 @@
           <a:cs typeface="+mn-cs"/>
         </a:defRPr>
       </a:lvl3pPr>
-      <a:lvl4pPr marL="923795" indent="-131971" algn="l" defTabSz="527883" rtl="0" eaLnBrk="1" latinLnBrk="0" hangingPunct="1">
+      <a:lvl4pPr marL="840105" indent="-120015" algn="l" defTabSz="480060" rtl="0" eaLnBrk="1" latinLnBrk="0" hangingPunct="1">
         <a:lnSpc>
           <a:spcPct val="90000"/>
         </a:lnSpc>
         <a:spcBef>
-          <a:spcPts val="289"/>
+          <a:spcPts val="263"/>
         </a:spcBef>
         <a:buFont typeface="Arial" panose="020B0604020202020204" pitchFamily="34" charset="0"/>
         <a:buChar char="•"/>
-        <a:defRPr sz="1039" kern="1200">
+        <a:defRPr sz="945" kern="1200">
           <a:solidFill>
             <a:schemeClr val="tx1"/>
           </a:solidFill>
@@ -2766,16 +2764,16 @@
           <a:cs typeface="+mn-cs"/>
         </a:defRPr>
       </a:lvl4pPr>
-      <a:lvl5pPr marL="1187737" indent="-131971" algn="l" defTabSz="527883" rtl="0" eaLnBrk="1" latinLnBrk="0" hangingPunct="1">
+      <a:lvl5pPr marL="1080135" indent="-120015" algn="l" defTabSz="480060" rtl="0" eaLnBrk="1" latinLnBrk="0" hangingPunct="1">
         <a:lnSpc>
           <a:spcPct val="90000"/>
         </a:lnSpc>
         <a:spcBef>
-          <a:spcPts val="289"/>
+          <a:spcPts val="263"/>
         </a:spcBef>
         <a:buFont typeface="Arial" panose="020B0604020202020204" pitchFamily="34" charset="0"/>
         <a:buChar char="•"/>
-        <a:defRPr sz="1039" kern="1200">
+        <a:defRPr sz="945" kern="1200">
           <a:solidFill>
             <a:schemeClr val="tx1"/>
           </a:solidFill>
@@ -2784,16 +2782,16 @@
           <a:cs typeface="+mn-cs"/>
         </a:defRPr>
       </a:lvl5pPr>
-      <a:lvl6pPr marL="1451679" indent="-131971" algn="l" defTabSz="527883" rtl="0" eaLnBrk="1" latinLnBrk="0" hangingPunct="1">
+      <a:lvl6pPr marL="1320165" indent="-120015" algn="l" defTabSz="480060" rtl="0" eaLnBrk="1" latinLnBrk="0" hangingPunct="1">
         <a:lnSpc>
           <a:spcPct val="90000"/>
         </a:lnSpc>
         <a:spcBef>
-          <a:spcPts val="289"/>
+          <a:spcPts val="263"/>
         </a:spcBef>
         <a:buFont typeface="Arial" panose="020B0604020202020204" pitchFamily="34" charset="0"/>
         <a:buChar char="•"/>
-        <a:defRPr sz="1039" kern="1200">
+        <a:defRPr sz="945" kern="1200">
           <a:solidFill>
             <a:schemeClr val="tx1"/>
           </a:solidFill>
@@ -2802,16 +2800,16 @@
           <a:cs typeface="+mn-cs"/>
         </a:defRPr>
       </a:lvl6pPr>
-      <a:lvl7pPr marL="1715620" indent="-131971" algn="l" defTabSz="527883" rtl="0" eaLnBrk="1" latinLnBrk="0" hangingPunct="1">
+      <a:lvl7pPr marL="1560195" indent="-120015" algn="l" defTabSz="480060" rtl="0" eaLnBrk="1" latinLnBrk="0" hangingPunct="1">
         <a:lnSpc>
           <a:spcPct val="90000"/>
         </a:lnSpc>
         <a:spcBef>
-          <a:spcPts val="289"/>
+          <a:spcPts val="263"/>
         </a:spcBef>
         <a:buFont typeface="Arial" panose="020B0604020202020204" pitchFamily="34" charset="0"/>
         <a:buChar char="•"/>
-        <a:defRPr sz="1039" kern="1200">
+        <a:defRPr sz="945" kern="1200">
           <a:solidFill>
             <a:schemeClr val="tx1"/>
           </a:solidFill>
@@ -2820,16 +2818,16 @@
           <a:cs typeface="+mn-cs"/>
         </a:defRPr>
       </a:lvl7pPr>
-      <a:lvl8pPr marL="1979562" indent="-131971" algn="l" defTabSz="527883" rtl="0" eaLnBrk="1" latinLnBrk="0" hangingPunct="1">
+      <a:lvl8pPr marL="1800225" indent="-120015" algn="l" defTabSz="480060" rtl="0" eaLnBrk="1" latinLnBrk="0" hangingPunct="1">
         <a:lnSpc>
           <a:spcPct val="90000"/>
         </a:lnSpc>
         <a:spcBef>
-          <a:spcPts val="289"/>
+          <a:spcPts val="263"/>
         </a:spcBef>
         <a:buFont typeface="Arial" panose="020B0604020202020204" pitchFamily="34" charset="0"/>
         <a:buChar char="•"/>
-        <a:defRPr sz="1039" kern="1200">
+        <a:defRPr sz="945" kern="1200">
           <a:solidFill>
             <a:schemeClr val="tx1"/>
           </a:solidFill>
@@ -2838,16 +2836,16 @@
           <a:cs typeface="+mn-cs"/>
         </a:defRPr>
       </a:lvl8pPr>
-      <a:lvl9pPr marL="2243503" indent="-131971" algn="l" defTabSz="527883" rtl="0" eaLnBrk="1" latinLnBrk="0" hangingPunct="1">
+      <a:lvl9pPr marL="2040255" indent="-120015" algn="l" defTabSz="480060" rtl="0" eaLnBrk="1" latinLnBrk="0" hangingPunct="1">
         <a:lnSpc>
           <a:spcPct val="90000"/>
         </a:lnSpc>
         <a:spcBef>
-          <a:spcPts val="289"/>
+          <a:spcPts val="263"/>
         </a:spcBef>
         <a:buFont typeface="Arial" panose="020B0604020202020204" pitchFamily="34" charset="0"/>
         <a:buChar char="•"/>
-        <a:defRPr sz="1039" kern="1200">
+        <a:defRPr sz="945" kern="1200">
           <a:solidFill>
             <a:schemeClr val="tx1"/>
           </a:solidFill>
@@ -2861,8 +2859,8 @@
       <a:defPPr>
         <a:defRPr lang="en-US"/>
       </a:defPPr>
-      <a:lvl1pPr marL="0" algn="l" defTabSz="527883" rtl="0" eaLnBrk="1" latinLnBrk="0" hangingPunct="1">
-        <a:defRPr sz="1039" kern="1200">
+      <a:lvl1pPr marL="0" algn="l" defTabSz="480060" rtl="0" eaLnBrk="1" latinLnBrk="0" hangingPunct="1">
+        <a:defRPr sz="945" kern="1200">
           <a:solidFill>
             <a:schemeClr val="tx1"/>
           </a:solidFill>
@@ -2871,8 +2869,8 @@
           <a:cs typeface="+mn-cs"/>
         </a:defRPr>
       </a:lvl1pPr>
-      <a:lvl2pPr marL="263942" algn="l" defTabSz="527883" rtl="0" eaLnBrk="1" latinLnBrk="0" hangingPunct="1">
-        <a:defRPr sz="1039" kern="1200">
+      <a:lvl2pPr marL="240030" algn="l" defTabSz="480060" rtl="0" eaLnBrk="1" latinLnBrk="0" hangingPunct="1">
+        <a:defRPr sz="945" kern="1200">
           <a:solidFill>
             <a:schemeClr val="tx1"/>
           </a:solidFill>
@@ -2881,8 +2879,8 @@
           <a:cs typeface="+mn-cs"/>
         </a:defRPr>
       </a:lvl2pPr>
-      <a:lvl3pPr marL="527883" algn="l" defTabSz="527883" rtl="0" eaLnBrk="1" latinLnBrk="0" hangingPunct="1">
-        <a:defRPr sz="1039" kern="1200">
+      <a:lvl3pPr marL="480060" algn="l" defTabSz="480060" rtl="0" eaLnBrk="1" latinLnBrk="0" hangingPunct="1">
+        <a:defRPr sz="945" kern="1200">
           <a:solidFill>
             <a:schemeClr val="tx1"/>
           </a:solidFill>
@@ -2891,8 +2889,8 @@
           <a:cs typeface="+mn-cs"/>
         </a:defRPr>
       </a:lvl3pPr>
-      <a:lvl4pPr marL="791825" algn="l" defTabSz="527883" rtl="0" eaLnBrk="1" latinLnBrk="0" hangingPunct="1">
-        <a:defRPr sz="1039" kern="1200">
+      <a:lvl4pPr marL="720090" algn="l" defTabSz="480060" rtl="0" eaLnBrk="1" latinLnBrk="0" hangingPunct="1">
+        <a:defRPr sz="945" kern="1200">
           <a:solidFill>
             <a:schemeClr val="tx1"/>
           </a:solidFill>
@@ -2901,8 +2899,8 @@
           <a:cs typeface="+mn-cs"/>
         </a:defRPr>
       </a:lvl4pPr>
-      <a:lvl5pPr marL="1055766" algn="l" defTabSz="527883" rtl="0" eaLnBrk="1" latinLnBrk="0" hangingPunct="1">
-        <a:defRPr sz="1039" kern="1200">
+      <a:lvl5pPr marL="960120" algn="l" defTabSz="480060" rtl="0" eaLnBrk="1" latinLnBrk="0" hangingPunct="1">
+        <a:defRPr sz="945" kern="1200">
           <a:solidFill>
             <a:schemeClr val="tx1"/>
           </a:solidFill>
@@ -2911,8 +2909,8 @@
           <a:cs typeface="+mn-cs"/>
         </a:defRPr>
       </a:lvl5pPr>
-      <a:lvl6pPr marL="1319708" algn="l" defTabSz="527883" rtl="0" eaLnBrk="1" latinLnBrk="0" hangingPunct="1">
-        <a:defRPr sz="1039" kern="1200">
+      <a:lvl6pPr marL="1200150" algn="l" defTabSz="480060" rtl="0" eaLnBrk="1" latinLnBrk="0" hangingPunct="1">
+        <a:defRPr sz="945" kern="1200">
           <a:solidFill>
             <a:schemeClr val="tx1"/>
           </a:solidFill>
@@ -2921,8 +2919,8 @@
           <a:cs typeface="+mn-cs"/>
         </a:defRPr>
       </a:lvl6pPr>
-      <a:lvl7pPr marL="1583649" algn="l" defTabSz="527883" rtl="0" eaLnBrk="1" latinLnBrk="0" hangingPunct="1">
-        <a:defRPr sz="1039" kern="1200">
+      <a:lvl7pPr marL="1440180" algn="l" defTabSz="480060" rtl="0" eaLnBrk="1" latinLnBrk="0" hangingPunct="1">
+        <a:defRPr sz="945" kern="1200">
           <a:solidFill>
             <a:schemeClr val="tx1"/>
           </a:solidFill>
@@ -2931,8 +2929,8 @@
           <a:cs typeface="+mn-cs"/>
         </a:defRPr>
       </a:lvl7pPr>
-      <a:lvl8pPr marL="1847591" algn="l" defTabSz="527883" rtl="0" eaLnBrk="1" latinLnBrk="0" hangingPunct="1">
-        <a:defRPr sz="1039" kern="1200">
+      <a:lvl8pPr marL="1680210" algn="l" defTabSz="480060" rtl="0" eaLnBrk="1" latinLnBrk="0" hangingPunct="1">
+        <a:defRPr sz="945" kern="1200">
           <a:solidFill>
             <a:schemeClr val="tx1"/>
           </a:solidFill>
@@ -2941,8 +2939,8 @@
           <a:cs typeface="+mn-cs"/>
         </a:defRPr>
       </a:lvl8pPr>
-      <a:lvl9pPr marL="2111532" algn="l" defTabSz="527883" rtl="0" eaLnBrk="1" latinLnBrk="0" hangingPunct="1">
-        <a:defRPr sz="1039" kern="1200">
+      <a:lvl9pPr marL="1920240" algn="l" defTabSz="480060" rtl="0" eaLnBrk="1" latinLnBrk="0" hangingPunct="1">
+        <a:defRPr sz="945" kern="1200">
           <a:solidFill>
             <a:schemeClr val="tx1"/>
           </a:solidFill>
@@ -2975,10 +2973,10 @@
       </p:grpSpPr>
       <p:sp>
         <p:nvSpPr>
-          <p:cNvPr id="8" name="Textfeld 7">
+          <p:cNvPr id="5" name="Textfeld 4">
             <a:extLst>
               <a:ext uri="{FF2B5EF4-FFF2-40B4-BE49-F238E27FC236}">
-                <a16:creationId xmlns:a16="http://schemas.microsoft.com/office/drawing/2014/main" id="{1400787E-7F1F-4B45-95B5-C3DAC64BAA7B}"/>
+                <a16:creationId xmlns:a16="http://schemas.microsoft.com/office/drawing/2014/main" id="{A1A68FD1-22FB-ECE4-6F4F-59C8935D795D}"/>
               </a:ext>
             </a:extLst>
           </p:cNvPr>
@@ -2987,8 +2985,8 @@
         </p:nvSpPr>
         <p:spPr>
           <a:xfrm>
-            <a:off x="899360" y="1319022"/>
-            <a:ext cx="1148071" cy="400110"/>
+            <a:off x="10674806" y="2430309"/>
+            <a:ext cx="3936511" cy="4555093"/>
           </a:xfrm>
           <a:prstGeom prst="rect">
             <a:avLst/>
@@ -2996,534 +2994,499 @@
           <a:noFill/>
         </p:spPr>
         <p:txBody>
-          <a:bodyPr wrap="none" rtlCol="0">
+          <a:bodyPr wrap="square">
             <a:spAutoFit/>
           </a:bodyPr>
           <a:lstStyle/>
           <a:p>
-            <a:pPr algn="ctr"/>
+            <a:pPr>
+              <a:lnSpc>
+                <a:spcPct val="300000"/>
+              </a:lnSpc>
+            </a:pPr>
             <a:r>
               <a:rPr lang="de-DE" sz="2000" dirty="0">
                 <a:latin typeface="CMU Sans Serif" panose="02000603000000000000" pitchFamily="2" charset="0"/>
                 <a:ea typeface="CMU Sans Serif" panose="02000603000000000000" pitchFamily="2" charset="0"/>
                 <a:cs typeface="CMU Sans Serif" panose="02000603000000000000" pitchFamily="2" charset="0"/>
               </a:rPr>
-              <a:t>Klassisch</a:t>
-            </a:r>
-          </a:p>
-        </p:txBody>
-      </p:sp>
-      <p:sp>
-        <p:nvSpPr>
-          <p:cNvPr id="10" name="Textfeld 9">
-            <a:extLst>
-              <a:ext uri="{FF2B5EF4-FFF2-40B4-BE49-F238E27FC236}">
-                <a16:creationId xmlns:a16="http://schemas.microsoft.com/office/drawing/2014/main" id="{D7C956AE-70C1-40F2-B257-54B0E11BFB10}"/>
-              </a:ext>
-            </a:extLst>
-          </p:cNvPr>
-          <p:cNvSpPr txBox="1"/>
-          <p:nvPr/>
-        </p:nvSpPr>
-        <p:spPr>
-          <a:xfrm>
-            <a:off x="234108" y="201423"/>
-            <a:ext cx="2478564" cy="584775"/>
-          </a:xfrm>
-          <a:prstGeom prst="rect">
-            <a:avLst/>
-          </a:prstGeom>
-          <a:noFill/>
-        </p:spPr>
-        <p:txBody>
-          <a:bodyPr wrap="none" rtlCol="0">
-            <a:spAutoFit/>
-          </a:bodyPr>
-          <a:lstStyle/>
-          <a:p>
-            <a:pPr algn="ctr"/>
-            <a:r>
-              <a:rPr lang="de-DE" sz="1600" dirty="0">
-                <a:latin typeface="CMU Sans Serif" panose="02000603000000000000" pitchFamily="2" charset="0"/>
-                <a:ea typeface="CMU Sans Serif" panose="02000603000000000000" pitchFamily="2" charset="0"/>
-                <a:cs typeface="CMU Sans Serif" panose="02000603000000000000" pitchFamily="2" charset="0"/>
-              </a:rPr>
-              <a:t>Experimentelle Bedingung </a:t>
-            </a:r>
-          </a:p>
-          <a:p>
-            <a:pPr algn="ctr"/>
-            <a:r>
-              <a:rPr lang="de-DE" sz="1600" dirty="0">
-                <a:latin typeface="CMU Sans Serif" panose="02000603000000000000" pitchFamily="2" charset="0"/>
-                <a:ea typeface="CMU Sans Serif" panose="02000603000000000000" pitchFamily="2" charset="0"/>
-                <a:cs typeface="CMU Sans Serif" panose="02000603000000000000" pitchFamily="2" charset="0"/>
-              </a:rPr>
-              <a:t>(Gruppen von n </a:t>
-            </a:r>
-            <a:r>
-              <a:rPr lang="de-DE" sz="1600">
-                <a:latin typeface="CMU Sans Serif" panose="02000603000000000000" pitchFamily="2" charset="0"/>
-                <a:ea typeface="CMU Sans Serif" panose="02000603000000000000" pitchFamily="2" charset="0"/>
-                <a:cs typeface="CMU Sans Serif" panose="02000603000000000000" pitchFamily="2" charset="0"/>
-              </a:rPr>
-              <a:t>= 50</a:t>
-            </a:r>
-            <a:r>
-              <a:rPr lang="de-DE" sz="1600" dirty="0">
-                <a:latin typeface="CMU Sans Serif" panose="02000603000000000000" pitchFamily="2" charset="0"/>
-                <a:ea typeface="CMU Sans Serif" panose="02000603000000000000" pitchFamily="2" charset="0"/>
-                <a:cs typeface="CMU Sans Serif" panose="02000603000000000000" pitchFamily="2" charset="0"/>
-              </a:rPr>
-              <a:t>)</a:t>
-            </a:r>
-          </a:p>
-        </p:txBody>
-      </p:sp>
-      <p:sp>
-        <p:nvSpPr>
-          <p:cNvPr id="6" name="Textfeld 7">
-            <a:extLst>
-              <a:ext uri="{FF2B5EF4-FFF2-40B4-BE49-F238E27FC236}">
-                <a16:creationId xmlns:a16="http://schemas.microsoft.com/office/drawing/2014/main" id="{32987C6E-074B-427C-A870-60558CBA508C}"/>
-              </a:ext>
-            </a:extLst>
-          </p:cNvPr>
-          <p:cNvSpPr txBox="1"/>
-          <p:nvPr/>
-        </p:nvSpPr>
-        <p:spPr>
-          <a:xfrm>
-            <a:off x="1035610" y="2913934"/>
-            <a:ext cx="875561" cy="400110"/>
-          </a:xfrm>
-          <a:prstGeom prst="rect">
-            <a:avLst/>
-          </a:prstGeom>
-          <a:noFill/>
-        </p:spPr>
-        <p:txBody>
-          <a:bodyPr wrap="none" rtlCol="0">
-            <a:spAutoFit/>
-          </a:bodyPr>
-          <a:lstStyle/>
-          <a:p>
-            <a:pPr algn="ctr"/>
+              <a:t> 0 - 8 keine Depression</a:t>
+            </a:r>
+          </a:p>
+          <a:p>
+            <a:pPr>
+              <a:lnSpc>
+                <a:spcPct val="300000"/>
+              </a:lnSpc>
+            </a:pPr>
             <a:r>
               <a:rPr lang="de-DE" sz="2000" dirty="0">
                 <a:latin typeface="CMU Sans Serif" panose="02000603000000000000" pitchFamily="2" charset="0"/>
                 <a:ea typeface="CMU Sans Serif" panose="02000603000000000000" pitchFamily="2" charset="0"/>
                 <a:cs typeface="CMU Sans Serif" panose="02000603000000000000" pitchFamily="2" charset="0"/>
               </a:rPr>
-              <a:t>Online</a:t>
-            </a:r>
-          </a:p>
-        </p:txBody>
-      </p:sp>
-      <p:sp>
-        <p:nvSpPr>
-          <p:cNvPr id="9" name="Textfeld 9">
-            <a:extLst>
-              <a:ext uri="{FF2B5EF4-FFF2-40B4-BE49-F238E27FC236}">
-                <a16:creationId xmlns:a16="http://schemas.microsoft.com/office/drawing/2014/main" id="{C83124D3-007F-4B28-9C11-A5BD27C128EE}"/>
-              </a:ext>
-            </a:extLst>
-          </p:cNvPr>
-          <p:cNvSpPr txBox="1"/>
-          <p:nvPr/>
-        </p:nvSpPr>
-        <p:spPr>
-          <a:xfrm>
-            <a:off x="2557809" y="1349800"/>
-            <a:ext cx="896400" cy="338554"/>
-          </a:xfrm>
-          <a:prstGeom prst="rect">
-            <a:avLst/>
-          </a:prstGeom>
-          <a:noFill/>
-        </p:spPr>
-        <p:txBody>
-          <a:bodyPr wrap="none" rtlCol="0">
-            <a:spAutoFit/>
-          </a:bodyPr>
-          <a:lstStyle/>
-          <a:p>
-            <a:pPr algn="ctr"/>
-            <a:r>
-              <a:rPr lang="de-DE" sz="1600" dirty="0" err="1">
+              <a:t> 9 - 13 minimale Depression</a:t>
+            </a:r>
+          </a:p>
+          <a:p>
+            <a:pPr>
+              <a:lnSpc>
+                <a:spcPct val="300000"/>
+              </a:lnSpc>
+            </a:pPr>
+            <a:r>
+              <a:rPr lang="de-DE" sz="2000" dirty="0">
                 <a:latin typeface="CMU Sans Serif" panose="02000603000000000000" pitchFamily="2" charset="0"/>
                 <a:ea typeface="CMU Sans Serif" panose="02000603000000000000" pitchFamily="2" charset="0"/>
                 <a:cs typeface="CMU Sans Serif" panose="02000603000000000000" pitchFamily="2" charset="0"/>
               </a:rPr>
-              <a:t>Pre</a:t>
-            </a:r>
-            <a:r>
-              <a:rPr lang="de-DE" sz="1600" dirty="0">
+              <a:t> 14 - 19 leichte Depression</a:t>
+            </a:r>
+          </a:p>
+          <a:p>
+            <a:pPr>
+              <a:lnSpc>
+                <a:spcPct val="300000"/>
+              </a:lnSpc>
+            </a:pPr>
+            <a:r>
+              <a:rPr lang="de-DE" sz="2000" dirty="0">
                 <a:latin typeface="CMU Sans Serif" panose="02000603000000000000" pitchFamily="2" charset="0"/>
                 <a:ea typeface="CMU Sans Serif" panose="02000603000000000000" pitchFamily="2" charset="0"/>
                 <a:cs typeface="CMU Sans Serif" panose="02000603000000000000" pitchFamily="2" charset="0"/>
               </a:rPr>
-              <a:t>-BDI</a:t>
-            </a:r>
-          </a:p>
-        </p:txBody>
-      </p:sp>
-      <p:sp>
-        <p:nvSpPr>
-          <p:cNvPr id="11" name="Textfeld 9">
-            <a:extLst>
-              <a:ext uri="{FF2B5EF4-FFF2-40B4-BE49-F238E27FC236}">
-                <a16:creationId xmlns:a16="http://schemas.microsoft.com/office/drawing/2014/main" id="{06343FA8-6285-43F5-AED8-87FCBA5DADFA}"/>
-              </a:ext>
-            </a:extLst>
-          </p:cNvPr>
-          <p:cNvSpPr txBox="1"/>
-          <p:nvPr/>
-        </p:nvSpPr>
-        <p:spPr>
-          <a:xfrm>
-            <a:off x="6276356" y="1349800"/>
-            <a:ext cx="981359" cy="338554"/>
-          </a:xfrm>
-          <a:prstGeom prst="rect">
-            <a:avLst/>
-          </a:prstGeom>
-          <a:noFill/>
-        </p:spPr>
-        <p:txBody>
-          <a:bodyPr wrap="none" rtlCol="0">
-            <a:spAutoFit/>
-          </a:bodyPr>
-          <a:lstStyle/>
-          <a:p>
-            <a:pPr algn="ctr"/>
-            <a:r>
-              <a:rPr lang="de-DE" sz="1600" dirty="0">
+              <a:t> 20 - 28 mittelschwere Depression</a:t>
+            </a:r>
+          </a:p>
+          <a:p>
+            <a:pPr>
+              <a:lnSpc>
+                <a:spcPct val="300000"/>
+              </a:lnSpc>
+            </a:pPr>
+            <a:r>
+              <a:rPr lang="de-DE" sz="2000" dirty="0">
                 <a:latin typeface="CMU Sans Serif" panose="02000603000000000000" pitchFamily="2" charset="0"/>
                 <a:ea typeface="CMU Sans Serif" panose="02000603000000000000" pitchFamily="2" charset="0"/>
                 <a:cs typeface="CMU Sans Serif" panose="02000603000000000000" pitchFamily="2" charset="0"/>
               </a:rPr>
-              <a:t>Post-BDI</a:t>
-            </a:r>
-          </a:p>
-        </p:txBody>
-      </p:sp>
-      <p:cxnSp>
-        <p:nvCxnSpPr>
-          <p:cNvPr id="3" name="Straight Arrow Connector 2">
+              <a:t> 29 - 63 schwere Depressio</a:t>
+            </a:r>
+            <a:r>
+              <a:rPr lang="de-DE" sz="2000" dirty="0"/>
+              <a:t>n</a:t>
+            </a:r>
+          </a:p>
+        </p:txBody>
+      </p:sp>
+      <p:grpSp>
+        <p:nvGrpSpPr>
+          <p:cNvPr id="23" name="Gruppieren 22">
             <a:extLst>
               <a:ext uri="{FF2B5EF4-FFF2-40B4-BE49-F238E27FC236}">
-                <a16:creationId xmlns:a16="http://schemas.microsoft.com/office/drawing/2014/main" id="{70FD9469-FED2-4E70-9D2B-DEE2EA2CCBF0}"/>
+                <a16:creationId xmlns:a16="http://schemas.microsoft.com/office/drawing/2014/main" id="{69D7E95D-0686-775B-FD95-675E41D6ED8E}"/>
               </a:ext>
             </a:extLst>
           </p:cNvPr>
-          <p:cNvCxnSpPr>
-            <a:cxnSpLocks/>
-          </p:cNvCxnSpPr>
+          <p:cNvGrpSpPr/>
           <p:nvPr/>
-        </p:nvCxnSpPr>
-        <p:spPr>
+        </p:nvGrpSpPr>
+        <p:grpSpPr>
           <a:xfrm>
-            <a:off x="3545908" y="1509188"/>
-            <a:ext cx="2730447" cy="0"/>
+            <a:off x="433061" y="250379"/>
+            <a:ext cx="4293940" cy="3101523"/>
+            <a:chOff x="133013" y="245616"/>
+            <a:chExt cx="4293940" cy="3101523"/>
           </a:xfrm>
-          <a:prstGeom prst="straightConnector1">
-            <a:avLst/>
-          </a:prstGeom>
-          <a:ln w="57150">
-            <a:solidFill>
-              <a:schemeClr val="bg1">
-                <a:lumMod val="85000"/>
-              </a:schemeClr>
-            </a:solidFill>
-            <a:headEnd type="oval" w="med" len="med"/>
-            <a:tailEnd type="triangle" w="med" len="med"/>
-          </a:ln>
-        </p:spPr>
-        <p:style>
-          <a:lnRef idx="1">
-            <a:schemeClr val="accent1"/>
-          </a:lnRef>
-          <a:fillRef idx="0">
-            <a:schemeClr val="accent1"/>
-          </a:fillRef>
-          <a:effectRef idx="0">
-            <a:schemeClr val="accent1"/>
-          </a:effectRef>
-          <a:fontRef idx="minor">
-            <a:schemeClr val="tx1"/>
-          </a:fontRef>
-        </p:style>
-      </p:cxnSp>
-      <p:pic>
-        <p:nvPicPr>
-          <p:cNvPr id="7" name="Grafik 6" descr="Ein Bild, das Person, drinnen enthält.&#10;&#10;Automatisch generierte Beschreibung">
-            <a:extLst>
-              <a:ext uri="{FF2B5EF4-FFF2-40B4-BE49-F238E27FC236}">
-                <a16:creationId xmlns:a16="http://schemas.microsoft.com/office/drawing/2014/main" id="{F4DB8EE7-4726-4A98-8E45-CC20F7188AA4}"/>
-              </a:ext>
-            </a:extLst>
-          </p:cNvPr>
-          <p:cNvPicPr>
-            <a:picLocks noChangeAspect="1"/>
-          </p:cNvPicPr>
-          <p:nvPr/>
-        </p:nvPicPr>
-        <p:blipFill>
-          <a:blip r:embed="rId2">
-            <a:extLst>
-              <a:ext uri="{28A0092B-C50C-407E-A947-70E740481C1C}">
-                <a14:useLocalDpi xmlns:a14="http://schemas.microsoft.com/office/drawing/2010/main" val="0"/>
-              </a:ext>
-            </a:extLst>
-          </a:blip>
-          <a:stretch>
-            <a:fillRect/>
-          </a:stretch>
-        </p:blipFill>
-        <p:spPr>
-          <a:xfrm>
-            <a:off x="3918719" y="815769"/>
-            <a:ext cx="2107291" cy="1406617"/>
-          </a:xfrm>
-          <a:prstGeom prst="rect">
-            <a:avLst/>
-          </a:prstGeom>
-          <a:ln>
+        </p:grpSpPr>
+        <p:sp>
+          <p:nvSpPr>
+            <p:cNvPr id="9" name="Textfeld 9">
+              <a:extLst>
+                <a:ext uri="{FF2B5EF4-FFF2-40B4-BE49-F238E27FC236}">
+                  <a16:creationId xmlns:a16="http://schemas.microsoft.com/office/drawing/2014/main" id="{C83124D3-007F-4B28-9C11-A5BD27C128EE}"/>
+                </a:ext>
+              </a:extLst>
+            </p:cNvPr>
+            <p:cNvSpPr txBox="1"/>
+            <p:nvPr/>
+          </p:nvSpPr>
+          <p:spPr>
+            <a:xfrm>
+              <a:off x="830631" y="245616"/>
+              <a:ext cx="712053" cy="276999"/>
+            </a:xfrm>
+            <a:prstGeom prst="rect">
+              <a:avLst/>
+            </a:prstGeom>
             <a:noFill/>
-          </a:ln>
-          <a:effectLst>
-            <a:softEdge rad="112500"/>
-          </a:effectLst>
-        </p:spPr>
-      </p:pic>
-      <p:sp>
-        <p:nvSpPr>
-          <p:cNvPr id="17" name="Textfeld 9">
-            <a:extLst>
-              <a:ext uri="{FF2B5EF4-FFF2-40B4-BE49-F238E27FC236}">
-                <a16:creationId xmlns:a16="http://schemas.microsoft.com/office/drawing/2014/main" id="{3D0762D4-8B40-4352-9479-473EEB14CC91}"/>
-              </a:ext>
-            </a:extLst>
-          </p:cNvPr>
-          <p:cNvSpPr txBox="1"/>
-          <p:nvPr/>
-        </p:nvSpPr>
-        <p:spPr>
-          <a:xfrm>
-            <a:off x="4156275" y="309144"/>
-            <a:ext cx="1632178" cy="369332"/>
-          </a:xfrm>
-          <a:prstGeom prst="rect">
-            <a:avLst/>
-          </a:prstGeom>
-          <a:noFill/>
-        </p:spPr>
-        <p:txBody>
-          <a:bodyPr wrap="none" rtlCol="0">
-            <a:spAutoFit/>
-          </a:bodyPr>
-          <a:lstStyle/>
-          <a:p>
-            <a:pPr algn="ctr"/>
-            <a:r>
-              <a:rPr lang="de-DE" dirty="0">
-                <a:latin typeface="CMU Sans Serif" panose="02000603000000000000" pitchFamily="2" charset="0"/>
-                <a:ea typeface="CMU Sans Serif" panose="02000603000000000000" pitchFamily="2" charset="0"/>
-                <a:cs typeface="CMU Sans Serif" panose="02000603000000000000" pitchFamily="2" charset="0"/>
-              </a:rPr>
-              <a:t>Psychotherapie</a:t>
-            </a:r>
-          </a:p>
-        </p:txBody>
-      </p:sp>
-      <p:sp>
-        <p:nvSpPr>
-          <p:cNvPr id="18" name="Textfeld 9">
-            <a:extLst>
-              <a:ext uri="{FF2B5EF4-FFF2-40B4-BE49-F238E27FC236}">
-                <a16:creationId xmlns:a16="http://schemas.microsoft.com/office/drawing/2014/main" id="{1C4FEB6D-3169-4DE0-8DED-45E5775A5D2A}"/>
-              </a:ext>
-            </a:extLst>
-          </p:cNvPr>
-          <p:cNvSpPr txBox="1"/>
-          <p:nvPr/>
-        </p:nvSpPr>
-        <p:spPr>
-          <a:xfrm>
-            <a:off x="2557809" y="2944712"/>
-            <a:ext cx="896400" cy="338554"/>
-          </a:xfrm>
-          <a:prstGeom prst="rect">
-            <a:avLst/>
-          </a:prstGeom>
-          <a:noFill/>
-        </p:spPr>
-        <p:txBody>
-          <a:bodyPr wrap="none" rtlCol="0">
-            <a:spAutoFit/>
-          </a:bodyPr>
-          <a:lstStyle/>
-          <a:p>
-            <a:pPr algn="ctr"/>
-            <a:r>
-              <a:rPr lang="de-DE" sz="1600" dirty="0" err="1">
-                <a:latin typeface="CMU Sans Serif" panose="02000603000000000000" pitchFamily="2" charset="0"/>
-                <a:ea typeface="CMU Sans Serif" panose="02000603000000000000" pitchFamily="2" charset="0"/>
-                <a:cs typeface="CMU Sans Serif" panose="02000603000000000000" pitchFamily="2" charset="0"/>
-              </a:rPr>
-              <a:t>Pre</a:t>
-            </a:r>
-            <a:r>
-              <a:rPr lang="de-DE" sz="1600" dirty="0">
-                <a:latin typeface="CMU Sans Serif" panose="02000603000000000000" pitchFamily="2" charset="0"/>
-                <a:ea typeface="CMU Sans Serif" panose="02000603000000000000" pitchFamily="2" charset="0"/>
-                <a:cs typeface="CMU Sans Serif" panose="02000603000000000000" pitchFamily="2" charset="0"/>
-              </a:rPr>
-              <a:t>-BDI</a:t>
-            </a:r>
-          </a:p>
-        </p:txBody>
-      </p:sp>
-      <p:sp>
-        <p:nvSpPr>
-          <p:cNvPr id="19" name="Textfeld 9">
-            <a:extLst>
-              <a:ext uri="{FF2B5EF4-FFF2-40B4-BE49-F238E27FC236}">
-                <a16:creationId xmlns:a16="http://schemas.microsoft.com/office/drawing/2014/main" id="{8F072D8F-A5AE-43E2-97FD-6D9FAD016409}"/>
-              </a:ext>
-            </a:extLst>
-          </p:cNvPr>
-          <p:cNvSpPr txBox="1"/>
-          <p:nvPr/>
-        </p:nvSpPr>
-        <p:spPr>
-          <a:xfrm>
-            <a:off x="6276356" y="2944712"/>
-            <a:ext cx="981359" cy="338554"/>
-          </a:xfrm>
-          <a:prstGeom prst="rect">
-            <a:avLst/>
-          </a:prstGeom>
-          <a:noFill/>
-        </p:spPr>
-        <p:txBody>
-          <a:bodyPr wrap="none" rtlCol="0">
-            <a:spAutoFit/>
-          </a:bodyPr>
-          <a:lstStyle/>
-          <a:p>
-            <a:pPr algn="ctr"/>
-            <a:r>
-              <a:rPr lang="de-DE" sz="1600" dirty="0">
-                <a:latin typeface="CMU Sans Serif" panose="02000603000000000000" pitchFamily="2" charset="0"/>
-                <a:ea typeface="CMU Sans Serif" panose="02000603000000000000" pitchFamily="2" charset="0"/>
-                <a:cs typeface="CMU Sans Serif" panose="02000603000000000000" pitchFamily="2" charset="0"/>
-              </a:rPr>
-              <a:t>Post-BDI</a:t>
-            </a:r>
-          </a:p>
-        </p:txBody>
-      </p:sp>
-      <p:cxnSp>
-        <p:nvCxnSpPr>
-          <p:cNvPr id="21" name="Straight Arrow Connector 20">
-            <a:extLst>
-              <a:ext uri="{FF2B5EF4-FFF2-40B4-BE49-F238E27FC236}">
-                <a16:creationId xmlns:a16="http://schemas.microsoft.com/office/drawing/2014/main" id="{8D0FAE79-2E68-4E90-8FD8-25FF4DF5F6D5}"/>
-              </a:ext>
-            </a:extLst>
-          </p:cNvPr>
-          <p:cNvCxnSpPr>
-            <a:cxnSpLocks/>
-          </p:cNvCxnSpPr>
-          <p:nvPr/>
-        </p:nvCxnSpPr>
-        <p:spPr>
-          <a:xfrm>
-            <a:off x="3545908" y="3113989"/>
-            <a:ext cx="2730447" cy="0"/>
-          </a:xfrm>
-          <a:prstGeom prst="straightConnector1">
-            <a:avLst/>
-          </a:prstGeom>
-          <a:ln w="57150">
-            <a:solidFill>
-              <a:schemeClr val="bg1">
-                <a:lumMod val="85000"/>
-              </a:schemeClr>
-            </a:solidFill>
-            <a:headEnd type="oval" w="med" len="med"/>
-            <a:tailEnd type="triangle" w="med" len="med"/>
-          </a:ln>
-        </p:spPr>
-        <p:style>
-          <a:lnRef idx="1">
-            <a:schemeClr val="accent1"/>
-          </a:lnRef>
-          <a:fillRef idx="0">
-            <a:schemeClr val="accent1"/>
-          </a:fillRef>
-          <a:effectRef idx="0">
-            <a:schemeClr val="accent1"/>
-          </a:effectRef>
-          <a:fontRef idx="minor">
-            <a:schemeClr val="tx1"/>
-          </a:fontRef>
-        </p:style>
-      </p:cxnSp>
-      <p:pic>
-        <p:nvPicPr>
-          <p:cNvPr id="1026" name="Picture 2" descr="Foto: agenturfotografin/stock.adobe.com">
-            <a:extLst>
-              <a:ext uri="{FF2B5EF4-FFF2-40B4-BE49-F238E27FC236}">
-                <a16:creationId xmlns:a16="http://schemas.microsoft.com/office/drawing/2014/main" id="{C3785D0F-D4CC-4123-9B7B-934194B92804}"/>
-              </a:ext>
-            </a:extLst>
-          </p:cNvPr>
-          <p:cNvPicPr>
-            <a:picLocks noChangeAspect="1" noChangeArrowheads="1"/>
-          </p:cNvPicPr>
-          <p:nvPr/>
-        </p:nvPicPr>
-        <p:blipFill>
-          <a:blip r:embed="rId3">
-            <a:extLst>
-              <a:ext uri="{28A0092B-C50C-407E-A947-70E740481C1C}">
-                <a14:useLocalDpi xmlns:a14="http://schemas.microsoft.com/office/drawing/2010/main" val="0"/>
-              </a:ext>
-            </a:extLst>
-          </a:blip>
-          <a:srcRect/>
-          <a:stretch>
-            <a:fillRect/>
-          </a:stretch>
-        </p:blipFill>
-        <p:spPr bwMode="auto">
-          <a:xfrm>
-            <a:off x="3980405" y="2431268"/>
-            <a:ext cx="2045605" cy="1365441"/>
-          </a:xfrm>
-          <a:prstGeom prst="rect">
-            <a:avLst/>
-          </a:prstGeom>
-          <a:ln>
+          </p:spPr>
+          <p:txBody>
+            <a:bodyPr wrap="none" rtlCol="0">
+              <a:spAutoFit/>
+            </a:bodyPr>
+            <a:lstStyle/>
+            <a:p>
+              <a:pPr algn="ctr"/>
+              <a:r>
+                <a:rPr lang="de-DE" sz="1200" dirty="0" err="1">
+                  <a:latin typeface="CMU Sans Serif" panose="02000603000000000000" pitchFamily="2" charset="0"/>
+                  <a:ea typeface="CMU Sans Serif" panose="02000603000000000000" pitchFamily="2" charset="0"/>
+                  <a:cs typeface="CMU Sans Serif" panose="02000603000000000000" pitchFamily="2" charset="0"/>
+                </a:rPr>
+                <a:t>Pre</a:t>
+              </a:r>
+              <a:r>
+                <a:rPr lang="de-DE" sz="1200" dirty="0">
+                  <a:latin typeface="CMU Sans Serif" panose="02000603000000000000" pitchFamily="2" charset="0"/>
+                  <a:ea typeface="CMU Sans Serif" panose="02000603000000000000" pitchFamily="2" charset="0"/>
+                  <a:cs typeface="CMU Sans Serif" panose="02000603000000000000" pitchFamily="2" charset="0"/>
+                </a:rPr>
+                <a:t>-BDI</a:t>
+              </a:r>
+            </a:p>
+          </p:txBody>
+        </p:sp>
+        <p:sp>
+          <p:nvSpPr>
+            <p:cNvPr id="11" name="Textfeld 9">
+              <a:extLst>
+                <a:ext uri="{FF2B5EF4-FFF2-40B4-BE49-F238E27FC236}">
+                  <a16:creationId xmlns:a16="http://schemas.microsoft.com/office/drawing/2014/main" id="{06343FA8-6285-43F5-AED8-87FCBA5DADFA}"/>
+                </a:ext>
+              </a:extLst>
+            </p:cNvPr>
+            <p:cNvSpPr txBox="1"/>
+            <p:nvPr/>
+          </p:nvSpPr>
+          <p:spPr>
+            <a:xfrm>
+              <a:off x="795363" y="3062446"/>
+              <a:ext cx="782587" cy="276999"/>
+            </a:xfrm>
+            <a:prstGeom prst="rect">
+              <a:avLst/>
+            </a:prstGeom>
             <a:noFill/>
-          </a:ln>
-          <a:effectLst>
-            <a:softEdge rad="112500"/>
-          </a:effectLst>
-          <a:extLst>
-            <a:ext uri="{909E8E84-426E-40DD-AFC4-6F175D3DCCD1}">
-              <a14:hiddenFill xmlns:a14="http://schemas.microsoft.com/office/drawing/2010/main">
-                <a:solidFill>
-                  <a:srgbClr val="FFFFFF"/>
-                </a:solidFill>
-              </a14:hiddenFill>
-            </a:ext>
-          </a:extLst>
-        </p:spPr>
-      </p:pic>
+          </p:spPr>
+          <p:txBody>
+            <a:bodyPr wrap="none" rtlCol="0">
+              <a:spAutoFit/>
+            </a:bodyPr>
+            <a:lstStyle/>
+            <a:p>
+              <a:pPr algn="ctr"/>
+              <a:r>
+                <a:rPr lang="de-DE" sz="1200" dirty="0">
+                  <a:latin typeface="CMU Sans Serif" panose="02000603000000000000" pitchFamily="2" charset="0"/>
+                  <a:ea typeface="CMU Sans Serif" panose="02000603000000000000" pitchFamily="2" charset="0"/>
+                  <a:cs typeface="CMU Sans Serif" panose="02000603000000000000" pitchFamily="2" charset="0"/>
+                </a:rPr>
+                <a:t>Post-BDI</a:t>
+              </a:r>
+            </a:p>
+          </p:txBody>
+        </p:sp>
+        <p:cxnSp>
+          <p:nvCxnSpPr>
+            <p:cNvPr id="3" name="Straight Arrow Connector 2">
+              <a:extLst>
+                <a:ext uri="{FF2B5EF4-FFF2-40B4-BE49-F238E27FC236}">
+                  <a16:creationId xmlns:a16="http://schemas.microsoft.com/office/drawing/2014/main" id="{70FD9469-FED2-4E70-9D2B-DEE2EA2CCBF0}"/>
+                </a:ext>
+              </a:extLst>
+            </p:cNvPr>
+            <p:cNvCxnSpPr>
+              <a:cxnSpLocks/>
+            </p:cNvCxnSpPr>
+            <p:nvPr/>
+          </p:nvCxnSpPr>
+          <p:spPr>
+            <a:xfrm>
+              <a:off x="1186660" y="745133"/>
+              <a:ext cx="0" cy="2258274"/>
+            </a:xfrm>
+            <a:prstGeom prst="straightConnector1">
+              <a:avLst/>
+            </a:prstGeom>
+            <a:ln w="57150">
+              <a:solidFill>
+                <a:schemeClr val="bg1">
+                  <a:lumMod val="85000"/>
+                </a:schemeClr>
+              </a:solidFill>
+              <a:headEnd type="oval" w="med" len="med"/>
+              <a:tailEnd type="triangle" w="med" len="med"/>
+            </a:ln>
+          </p:spPr>
+          <p:style>
+            <a:lnRef idx="1">
+              <a:schemeClr val="accent1"/>
+            </a:lnRef>
+            <a:fillRef idx="0">
+              <a:schemeClr val="accent1"/>
+            </a:fillRef>
+            <a:effectRef idx="0">
+              <a:schemeClr val="accent1"/>
+            </a:effectRef>
+            <a:fontRef idx="minor">
+              <a:schemeClr val="tx1"/>
+            </a:fontRef>
+          </p:style>
+        </p:cxnSp>
+        <p:pic>
+          <p:nvPicPr>
+            <p:cNvPr id="7" name="Grafik 6" descr="Ein Bild, das Person, drinnen enthält.&#10;&#10;Automatisch generierte Beschreibung">
+              <a:extLst>
+                <a:ext uri="{FF2B5EF4-FFF2-40B4-BE49-F238E27FC236}">
+                  <a16:creationId xmlns:a16="http://schemas.microsoft.com/office/drawing/2014/main" id="{F4DB8EE7-4726-4A98-8E45-CC20F7188AA4}"/>
+                </a:ext>
+              </a:extLst>
+            </p:cNvPr>
+            <p:cNvPicPr>
+              <a:picLocks noChangeAspect="1"/>
+            </p:cNvPicPr>
+            <p:nvPr/>
+          </p:nvPicPr>
+          <p:blipFill>
+            <a:blip r:embed="rId2">
+              <a:extLst>
+                <a:ext uri="{28A0092B-C50C-407E-A947-70E740481C1C}">
+                  <a14:useLocalDpi xmlns:a14="http://schemas.microsoft.com/office/drawing/2010/main" val="0"/>
+                </a:ext>
+              </a:extLst>
+            </a:blip>
+            <a:stretch>
+              <a:fillRect/>
+            </a:stretch>
+          </p:blipFill>
+          <p:spPr>
+            <a:xfrm>
+              <a:off x="133013" y="1118499"/>
+              <a:ext cx="2107291" cy="1406617"/>
+            </a:xfrm>
+            <a:prstGeom prst="rect">
+              <a:avLst/>
+            </a:prstGeom>
+            <a:ln>
+              <a:noFill/>
+            </a:ln>
+            <a:effectLst>
+              <a:softEdge rad="112500"/>
+            </a:effectLst>
+          </p:spPr>
+        </p:pic>
+        <p:pic>
+          <p:nvPicPr>
+            <p:cNvPr id="2" name="Grafik 1" descr="Ein Bild, das Tisch enthält.&#10;&#10;Automatisch generierte Beschreibung">
+              <a:extLst>
+                <a:ext uri="{FF2B5EF4-FFF2-40B4-BE49-F238E27FC236}">
+                  <a16:creationId xmlns:a16="http://schemas.microsoft.com/office/drawing/2014/main" id="{9D38787A-9771-70A0-9E42-994C7C83DEA9}"/>
+                </a:ext>
+              </a:extLst>
+            </p:cNvPr>
+            <p:cNvPicPr>
+              <a:picLocks noChangeAspect="1"/>
+            </p:cNvPicPr>
+            <p:nvPr/>
+          </p:nvPicPr>
+          <p:blipFill>
+            <a:blip r:embed="rId3">
+              <a:extLst>
+                <a:ext uri="{28A0092B-C50C-407E-A947-70E740481C1C}">
+                  <a14:useLocalDpi xmlns:a14="http://schemas.microsoft.com/office/drawing/2010/main" val="0"/>
+                </a:ext>
+              </a:extLst>
+            </a:blip>
+            <a:stretch>
+              <a:fillRect/>
+            </a:stretch>
+          </p:blipFill>
+          <p:spPr>
+            <a:xfrm>
+              <a:off x="2420143" y="592288"/>
+              <a:ext cx="1656678" cy="2355381"/>
+            </a:xfrm>
+            <a:prstGeom prst="rect">
+              <a:avLst/>
+            </a:prstGeom>
+          </p:spPr>
+        </p:pic>
+        <mc:AlternateContent xmlns:mc="http://schemas.openxmlformats.org/markup-compatibility/2006">
+          <mc:Choice xmlns:a14="http://schemas.microsoft.com/office/drawing/2010/main" Requires="a14">
+            <p:sp>
+              <p:nvSpPr>
+                <p:cNvPr id="14" name="Textfeld 13">
+                  <a:extLst>
+                    <a:ext uri="{FF2B5EF4-FFF2-40B4-BE49-F238E27FC236}">
+                      <a16:creationId xmlns:a16="http://schemas.microsoft.com/office/drawing/2014/main" id="{38F8232F-F9B9-A59F-8C95-BA288ABA7C64}"/>
+                    </a:ext>
+                  </a:extLst>
+                </p:cNvPr>
+                <p:cNvSpPr txBox="1"/>
+                <p:nvPr/>
+              </p:nvSpPr>
+              <p:spPr>
+                <a:xfrm>
+                  <a:off x="2070011" y="3070140"/>
+                  <a:ext cx="2356942" cy="276999"/>
+                </a:xfrm>
+                <a:prstGeom prst="rect">
+                  <a:avLst/>
+                </a:prstGeom>
+                <a:noFill/>
+              </p:spPr>
+              <p:txBody>
+                <a:bodyPr wrap="square" rtlCol="0">
+                  <a:spAutoFit/>
+                </a:bodyPr>
+                <a:lstStyle/>
+                <a:p>
+                  <a14:m>
+                    <m:oMath xmlns:m="http://schemas.openxmlformats.org/officeDocument/2006/math">
+                      <m:r>
+                        <a:rPr lang="de-DE" sz="1200" i="1">
+                          <a:solidFill>
+                            <a:schemeClr val="accent1">
+                              <a:lumMod val="75000"/>
+                            </a:schemeClr>
+                          </a:solidFill>
+                          <a:latin typeface="Cambria Math" panose="02040503050406030204" pitchFamily="18" charset="0"/>
+                          <a:ea typeface="CMU Sans Serif" panose="02000603000000000000" pitchFamily="2" charset="0"/>
+                          <a:cs typeface="CMU Sans Serif" panose="02000603000000000000" pitchFamily="2" charset="0"/>
+                        </a:rPr>
+                        <m:t>⇒</m:t>
+                      </m:r>
+                    </m:oMath>
+                  </a14:m>
+                  <a:r>
+                    <a:rPr lang="de-DE" sz="1200" dirty="0">
+                      <a:solidFill>
+                        <a:schemeClr val="accent1">
+                          <a:lumMod val="75000"/>
+                        </a:schemeClr>
+                      </a:solidFill>
+                      <a:latin typeface="CMU Sans Serif" panose="02000603000000000000" pitchFamily="2" charset="0"/>
+                      <a:ea typeface="CMU Sans Serif" panose="02000603000000000000" pitchFamily="2" charset="0"/>
+                      <a:cs typeface="CMU Sans Serif" panose="02000603000000000000" pitchFamily="2" charset="0"/>
+                    </a:rPr>
+                    <a:t> </a:t>
+                  </a:r>
+                  <a:r>
+                    <a:rPr lang="de-DE" sz="1200" dirty="0" err="1">
+                      <a:solidFill>
+                        <a:schemeClr val="accent1">
+                          <a:lumMod val="75000"/>
+                        </a:schemeClr>
+                      </a:solidFill>
+                      <a:latin typeface="CMU Sans Serif" panose="02000603000000000000" pitchFamily="2" charset="0"/>
+                      <a:ea typeface="CMU Sans Serif" panose="02000603000000000000" pitchFamily="2" charset="0"/>
+                      <a:cs typeface="CMU Sans Serif" panose="02000603000000000000" pitchFamily="2" charset="0"/>
+                    </a:rPr>
+                    <a:t>Pre</a:t>
+                  </a:r>
+                  <a:r>
+                    <a:rPr lang="de-DE" sz="1200" dirty="0">
+                      <a:solidFill>
+                        <a:schemeClr val="accent1">
+                          <a:lumMod val="75000"/>
+                        </a:schemeClr>
+                      </a:solidFill>
+                      <a:latin typeface="CMU Sans Serif" panose="02000603000000000000" pitchFamily="2" charset="0"/>
+                      <a:ea typeface="CMU Sans Serif" panose="02000603000000000000" pitchFamily="2" charset="0"/>
+                      <a:cs typeface="CMU Sans Serif" panose="02000603000000000000" pitchFamily="2" charset="0"/>
+                    </a:rPr>
+                    <a:t>-Post BDI Score Reduktion </a:t>
+                  </a:r>
+                </a:p>
+              </p:txBody>
+            </p:sp>
+          </mc:Choice>
+          <mc:Fallback>
+            <p:sp>
+              <p:nvSpPr>
+                <p:cNvPr id="14" name="Textfeld 13">
+                  <a:extLst>
+                    <a:ext uri="{FF2B5EF4-FFF2-40B4-BE49-F238E27FC236}">
+                      <a16:creationId xmlns:a16="http://schemas.microsoft.com/office/drawing/2014/main" id="{38F8232F-F9B9-A59F-8C95-BA288ABA7C64}"/>
+                    </a:ext>
+                  </a:extLst>
+                </p:cNvPr>
+                <p:cNvSpPr txBox="1">
+                  <a:spLocks noRot="1" noChangeAspect="1" noMove="1" noResize="1" noEditPoints="1" noAdjustHandles="1" noChangeArrowheads="1" noChangeShapeType="1" noTextEdit="1"/>
+                </p:cNvSpPr>
+                <p:nvPr/>
+              </p:nvSpPr>
+              <p:spPr>
+                <a:xfrm>
+                  <a:off x="2070011" y="3070140"/>
+                  <a:ext cx="2356942" cy="276999"/>
+                </a:xfrm>
+                <a:prstGeom prst="rect">
+                  <a:avLst/>
+                </a:prstGeom>
+                <a:blipFill>
+                  <a:blip r:embed="rId4"/>
+                  <a:stretch>
+                    <a:fillRect r="-1036" b="-15217"/>
+                  </a:stretch>
+                </a:blipFill>
+              </p:spPr>
+              <p:txBody>
+                <a:bodyPr/>
+                <a:lstStyle/>
+                <a:p>
+                  <a:r>
+                    <a:rPr lang="de-DE">
+                      <a:noFill/>
+                    </a:rPr>
+                    <a:t> </a:t>
+                  </a:r>
+                </a:p>
+              </p:txBody>
+            </p:sp>
+          </mc:Fallback>
+        </mc:AlternateContent>
+        <p:sp>
+          <p:nvSpPr>
+            <p:cNvPr id="20" name="Textfeld 19">
+              <a:extLst>
+                <a:ext uri="{FF2B5EF4-FFF2-40B4-BE49-F238E27FC236}">
+                  <a16:creationId xmlns:a16="http://schemas.microsoft.com/office/drawing/2014/main" id="{ADB8C0A9-14E7-762C-B631-2BF9C9277BEE}"/>
+                </a:ext>
+              </a:extLst>
+            </p:cNvPr>
+            <p:cNvSpPr txBox="1"/>
+            <p:nvPr/>
+          </p:nvSpPr>
+          <p:spPr>
+            <a:xfrm>
+              <a:off x="1651552" y="2518040"/>
+              <a:ext cx="564578" cy="246221"/>
+            </a:xfrm>
+            <a:prstGeom prst="rect">
+              <a:avLst/>
+            </a:prstGeom>
+            <a:noFill/>
+          </p:spPr>
+          <p:txBody>
+            <a:bodyPr wrap="none" rtlCol="0">
+              <a:spAutoFit/>
+            </a:bodyPr>
+            <a:lstStyle/>
+            <a:p>
+              <a:r>
+                <a:rPr lang="de-DE" sz="1000" dirty="0">
+                  <a:latin typeface="CMU Sans Serif" panose="02000603000000000000" pitchFamily="2" charset="0"/>
+                  <a:ea typeface="CMU Sans Serif" panose="02000603000000000000" pitchFamily="2" charset="0"/>
+                  <a:cs typeface="CMU Sans Serif" panose="02000603000000000000" pitchFamily="2" charset="0"/>
+                </a:rPr>
+                <a:t>n = 12</a:t>
+              </a:r>
+            </a:p>
+          </p:txBody>
+        </p:sp>
+      </p:grpSp>
     </p:spTree>
     <p:extLst>
       <p:ext uri="{BB962C8B-B14F-4D97-AF65-F5344CB8AC3E}">
@@ -3540,7 +3503,7 @@
 <file path=ppt/theme/theme1.xml><?xml version="1.0" encoding="utf-8"?>
 <a:theme xmlns:a="http://schemas.openxmlformats.org/drawingml/2006/main" name="Office">
   <a:themeElements>
-    <a:clrScheme name="Office Theme">
+    <a:clrScheme name="Office">
       <a:dk1>
         <a:sysClr val="windowText" lastClr="000000"/>
       </a:dk1>
@@ -3578,7 +3541,7 @@
         <a:srgbClr val="954F72"/>
       </a:folHlink>
     </a:clrScheme>
-    <a:fontScheme name="Office Theme">
+    <a:fontScheme name="Office">
       <a:majorFont>
         <a:latin typeface="Calibri Light" panose="020F0302020204030204"/>
         <a:ea typeface=""/>
@@ -3650,7 +3613,7 @@
         <a:font script="Geor" typeface="Sylfaen"/>
       </a:minorFont>
     </a:fontScheme>
-    <a:fmtScheme name="Office Theme">
+    <a:fmtScheme name="Office">
       <a:fillStyleLst>
         <a:solidFill>
           <a:schemeClr val="phClr"/>
